--- a/2021/打包/lib/reinforcement_learning/pictures/新建 Microsoft PowerPoint 演示文稿.pptx
+++ b/2021/打包/lib/reinforcement_learning/pictures/新建 Microsoft PowerPoint 演示文稿.pptx
@@ -2,18 +2,19 @@
 <file path=ppt/presentation.xml><?xml version="1.0" encoding="utf-8"?>
 <p:presentation xmlns:a="http://schemas.openxmlformats.org/drawingml/2006/main" xmlns:r="http://schemas.openxmlformats.org/officeDocument/2006/relationships" xmlns:p="http://schemas.openxmlformats.org/presentationml/2006/main" saveSubsetFonts="1">
   <p:sldMasterIdLst>
-    <p:sldMasterId id="2147483648" r:id="rId1"/>
+    <p:sldMasterId id="2147483660" r:id="rId1"/>
   </p:sldMasterIdLst>
   <p:sldIdLst>
     <p:sldId id="256" r:id="rId2"/>
+    <p:sldId id="257" r:id="rId3"/>
   </p:sldIdLst>
-  <p:sldSz cx="12192000" cy="6858000"/>
+  <p:sldSz cx="7797800" cy="4352925"/>
   <p:notesSz cx="6858000" cy="9144000"/>
   <p:defaultTextStyle>
     <a:defPPr>
-      <a:defRPr lang="zh-CN"/>
+      <a:defRPr lang="en-US"/>
     </a:defPPr>
-    <a:lvl1pPr marL="0" algn="l" defTabSz="914400" rtl="0" eaLnBrk="1" latinLnBrk="0" hangingPunct="1">
+    <a:lvl1pPr marL="0" algn="l" defTabSz="457200" rtl="0" eaLnBrk="1" latinLnBrk="0" hangingPunct="1">
       <a:defRPr sz="1800" kern="1200">
         <a:solidFill>
           <a:schemeClr val="tx1"/>
@@ -23,7 +24,7 @@
         <a:cs typeface="+mn-cs"/>
       </a:defRPr>
     </a:lvl1pPr>
-    <a:lvl2pPr marL="457200" algn="l" defTabSz="914400" rtl="0" eaLnBrk="1" latinLnBrk="0" hangingPunct="1">
+    <a:lvl2pPr marL="457200" algn="l" defTabSz="457200" rtl="0" eaLnBrk="1" latinLnBrk="0" hangingPunct="1">
       <a:defRPr sz="1800" kern="1200">
         <a:solidFill>
           <a:schemeClr val="tx1"/>
@@ -33,7 +34,7 @@
         <a:cs typeface="+mn-cs"/>
       </a:defRPr>
     </a:lvl2pPr>
-    <a:lvl3pPr marL="914400" algn="l" defTabSz="914400" rtl="0" eaLnBrk="1" latinLnBrk="0" hangingPunct="1">
+    <a:lvl3pPr marL="914400" algn="l" defTabSz="457200" rtl="0" eaLnBrk="1" latinLnBrk="0" hangingPunct="1">
       <a:defRPr sz="1800" kern="1200">
         <a:solidFill>
           <a:schemeClr val="tx1"/>
@@ -43,7 +44,7 @@
         <a:cs typeface="+mn-cs"/>
       </a:defRPr>
     </a:lvl3pPr>
-    <a:lvl4pPr marL="1371600" algn="l" defTabSz="914400" rtl="0" eaLnBrk="1" latinLnBrk="0" hangingPunct="1">
+    <a:lvl4pPr marL="1371600" algn="l" defTabSz="457200" rtl="0" eaLnBrk="1" latinLnBrk="0" hangingPunct="1">
       <a:defRPr sz="1800" kern="1200">
         <a:solidFill>
           <a:schemeClr val="tx1"/>
@@ -53,7 +54,7 @@
         <a:cs typeface="+mn-cs"/>
       </a:defRPr>
     </a:lvl4pPr>
-    <a:lvl5pPr marL="1828800" algn="l" defTabSz="914400" rtl="0" eaLnBrk="1" latinLnBrk="0" hangingPunct="1">
+    <a:lvl5pPr marL="1828800" algn="l" defTabSz="457200" rtl="0" eaLnBrk="1" latinLnBrk="0" hangingPunct="1">
       <a:defRPr sz="1800" kern="1200">
         <a:solidFill>
           <a:schemeClr val="tx1"/>
@@ -63,7 +64,7 @@
         <a:cs typeface="+mn-cs"/>
       </a:defRPr>
     </a:lvl5pPr>
-    <a:lvl6pPr marL="2286000" algn="l" defTabSz="914400" rtl="0" eaLnBrk="1" latinLnBrk="0" hangingPunct="1">
+    <a:lvl6pPr marL="2286000" algn="l" defTabSz="457200" rtl="0" eaLnBrk="1" latinLnBrk="0" hangingPunct="1">
       <a:defRPr sz="1800" kern="1200">
         <a:solidFill>
           <a:schemeClr val="tx1"/>
@@ -73,7 +74,7 @@
         <a:cs typeface="+mn-cs"/>
       </a:defRPr>
     </a:lvl6pPr>
-    <a:lvl7pPr marL="2743200" algn="l" defTabSz="914400" rtl="0" eaLnBrk="1" latinLnBrk="0" hangingPunct="1">
+    <a:lvl7pPr marL="2743200" algn="l" defTabSz="457200" rtl="0" eaLnBrk="1" latinLnBrk="0" hangingPunct="1">
       <a:defRPr sz="1800" kern="1200">
         <a:solidFill>
           <a:schemeClr val="tx1"/>
@@ -83,7 +84,7 @@
         <a:cs typeface="+mn-cs"/>
       </a:defRPr>
     </a:lvl7pPr>
-    <a:lvl8pPr marL="3200400" algn="l" defTabSz="914400" rtl="0" eaLnBrk="1" latinLnBrk="0" hangingPunct="1">
+    <a:lvl8pPr marL="3200400" algn="l" defTabSz="457200" rtl="0" eaLnBrk="1" latinLnBrk="0" hangingPunct="1">
       <a:defRPr sz="1800" kern="1200">
         <a:solidFill>
           <a:schemeClr val="tx1"/>
@@ -93,7 +94,7 @@
         <a:cs typeface="+mn-cs"/>
       </a:defRPr>
     </a:lvl8pPr>
-    <a:lvl9pPr marL="3657600" algn="l" defTabSz="914400" rtl="0" eaLnBrk="1" latinLnBrk="0" hangingPunct="1">
+    <a:lvl9pPr marL="3657600" algn="l" defTabSz="457200" rtl="0" eaLnBrk="1" latinLnBrk="0" hangingPunct="1">
       <a:defRPr sz="1800" kern="1200">
         <a:solidFill>
           <a:schemeClr val="tx1"/>
@@ -131,13 +132,7 @@
       </p:grpSpPr>
       <p:sp>
         <p:nvSpPr>
-          <p:cNvPr id="2" name="标题 1">
-            <a:extLst>
-              <a:ext uri="{FF2B5EF4-FFF2-40B4-BE49-F238E27FC236}">
-                <a16:creationId xmlns:a16="http://schemas.microsoft.com/office/drawing/2014/main" id="{E4B12F9A-6FD5-41C5-AE02-A811CFA171B6}"/>
-              </a:ext>
-            </a:extLst>
-          </p:cNvPr>
+          <p:cNvPr id="2" name="Title 1"/>
           <p:cNvSpPr>
             <a:spLocks noGrp="1"/>
           </p:cNvSpPr>
@@ -147,15 +142,15 @@
         </p:nvSpPr>
         <p:spPr>
           <a:xfrm>
-            <a:off x="1524000" y="1122363"/>
-            <a:ext cx="9144000" cy="2387600"/>
+            <a:off x="974725" y="712389"/>
+            <a:ext cx="5848350" cy="1515463"/>
           </a:xfrm>
         </p:spPr>
         <p:txBody>
           <a:bodyPr anchor="b"/>
           <a:lstStyle>
             <a:lvl1pPr algn="ctr">
-              <a:defRPr sz="6000"/>
+              <a:defRPr sz="3808"/>
             </a:lvl1pPr>
           </a:lstStyle>
           <a:p>
@@ -163,18 +158,13 @@
               <a:rPr lang="zh-CN" altLang="en-US"/>
               <a:t>单击此处编辑母版标题样式</a:t>
             </a:r>
-          </a:p>
-        </p:txBody>
-      </p:sp>
-      <p:sp>
-        <p:nvSpPr>
-          <p:cNvPr id="3" name="副标题 2">
-            <a:extLst>
-              <a:ext uri="{FF2B5EF4-FFF2-40B4-BE49-F238E27FC236}">
-                <a16:creationId xmlns:a16="http://schemas.microsoft.com/office/drawing/2014/main" id="{E74D6D12-8574-41B2-AE07-579CDC017315}"/>
-              </a:ext>
-            </a:extLst>
-          </p:cNvPr>
+            <a:endParaRPr lang="en-US" dirty="0"/>
+          </a:p>
+        </p:txBody>
+      </p:sp>
+      <p:sp>
+        <p:nvSpPr>
+          <p:cNvPr id="3" name="Subtitle 2"/>
           <p:cNvSpPr>
             <a:spLocks noGrp="1"/>
           </p:cNvSpPr>
@@ -184,8 +174,8 @@
         </p:nvSpPr>
         <p:spPr>
           <a:xfrm>
-            <a:off x="1524000" y="3602038"/>
-            <a:ext cx="9144000" cy="1655762"/>
+            <a:off x="974725" y="2286294"/>
+            <a:ext cx="5848350" cy="1050949"/>
           </a:xfrm>
         </p:spPr>
         <p:txBody>
@@ -193,39 +183,39 @@
           <a:lstStyle>
             <a:lvl1pPr marL="0" indent="0" algn="ctr">
               <a:buNone/>
-              <a:defRPr sz="2400"/>
+              <a:defRPr sz="1523"/>
             </a:lvl1pPr>
-            <a:lvl2pPr marL="457200" indent="0" algn="ctr">
-              <a:buNone/>
-              <a:defRPr sz="2000"/>
+            <a:lvl2pPr marL="290185" indent="0" algn="ctr">
+              <a:buNone/>
+              <a:defRPr sz="1269"/>
             </a:lvl2pPr>
-            <a:lvl3pPr marL="914400" indent="0" algn="ctr">
-              <a:buNone/>
-              <a:defRPr sz="1800"/>
+            <a:lvl3pPr marL="580370" indent="0" algn="ctr">
+              <a:buNone/>
+              <a:defRPr sz="1142"/>
             </a:lvl3pPr>
-            <a:lvl4pPr marL="1371600" indent="0" algn="ctr">
-              <a:buNone/>
-              <a:defRPr sz="1600"/>
+            <a:lvl4pPr marL="870555" indent="0" algn="ctr">
+              <a:buNone/>
+              <a:defRPr sz="1016"/>
             </a:lvl4pPr>
-            <a:lvl5pPr marL="1828800" indent="0" algn="ctr">
-              <a:buNone/>
-              <a:defRPr sz="1600"/>
+            <a:lvl5pPr marL="1160739" indent="0" algn="ctr">
+              <a:buNone/>
+              <a:defRPr sz="1016"/>
             </a:lvl5pPr>
-            <a:lvl6pPr marL="2286000" indent="0" algn="ctr">
-              <a:buNone/>
-              <a:defRPr sz="1600"/>
+            <a:lvl6pPr marL="1450924" indent="0" algn="ctr">
+              <a:buNone/>
+              <a:defRPr sz="1016"/>
             </a:lvl6pPr>
-            <a:lvl7pPr marL="2743200" indent="0" algn="ctr">
-              <a:buNone/>
-              <a:defRPr sz="1600"/>
+            <a:lvl7pPr marL="1741109" indent="0" algn="ctr">
+              <a:buNone/>
+              <a:defRPr sz="1016"/>
             </a:lvl7pPr>
-            <a:lvl8pPr marL="3200400" indent="0" algn="ctr">
-              <a:buNone/>
-              <a:defRPr sz="1600"/>
+            <a:lvl8pPr marL="2031294" indent="0" algn="ctr">
+              <a:buNone/>
+              <a:defRPr sz="1016"/>
             </a:lvl8pPr>
-            <a:lvl9pPr marL="3657600" indent="0" algn="ctr">
-              <a:buNone/>
-              <a:defRPr sz="1600"/>
+            <a:lvl9pPr marL="2321479" indent="0" algn="ctr">
+              <a:buNone/>
+              <a:defRPr sz="1016"/>
             </a:lvl9pPr>
           </a:lstStyle>
           <a:p>
@@ -233,18 +223,13 @@
               <a:rPr lang="zh-CN" altLang="en-US"/>
               <a:t>单击此处编辑母版副标题样式</a:t>
             </a:r>
-          </a:p>
-        </p:txBody>
-      </p:sp>
-      <p:sp>
-        <p:nvSpPr>
-          <p:cNvPr id="4" name="日期占位符 3">
-            <a:extLst>
-              <a:ext uri="{FF2B5EF4-FFF2-40B4-BE49-F238E27FC236}">
-                <a16:creationId xmlns:a16="http://schemas.microsoft.com/office/drawing/2014/main" id="{E9F04E5F-CCCC-4F1D-B244-04D478CFE656}"/>
-              </a:ext>
-            </a:extLst>
-          </p:cNvPr>
+            <a:endParaRPr lang="en-US" dirty="0"/>
+          </a:p>
+        </p:txBody>
+      </p:sp>
+      <p:sp>
+        <p:nvSpPr>
+          <p:cNvPr id="4" name="Date Placeholder 3"/>
           <p:cNvSpPr>
             <a:spLocks noGrp="1"/>
           </p:cNvSpPr>
@@ -259,7 +244,7 @@
           <a:p>
             <a:fld id="{180D7A04-2291-4D88-9768-AA43C4C09A00}" type="datetimeFigureOut">
               <a:rPr lang="zh-CN" altLang="en-US" smtClean="0"/>
-              <a:t>2021/3/1</a:t>
+              <a:t>2021/10/11</a:t>
             </a:fld>
             <a:endParaRPr lang="zh-CN" altLang="en-US"/>
           </a:p>
@@ -267,13 +252,7 @@
       </p:sp>
       <p:sp>
         <p:nvSpPr>
-          <p:cNvPr id="5" name="页脚占位符 4">
-            <a:extLst>
-              <a:ext uri="{FF2B5EF4-FFF2-40B4-BE49-F238E27FC236}">
-                <a16:creationId xmlns:a16="http://schemas.microsoft.com/office/drawing/2014/main" id="{5ACD9DCC-EE8B-4334-AC97-CBB61DF29A99}"/>
-              </a:ext>
-            </a:extLst>
-          </p:cNvPr>
+          <p:cNvPr id="5" name="Footer Placeholder 4"/>
           <p:cNvSpPr>
             <a:spLocks noGrp="1"/>
           </p:cNvSpPr>
@@ -292,13 +271,7 @@
       </p:sp>
       <p:sp>
         <p:nvSpPr>
-          <p:cNvPr id="6" name="灯片编号占位符 5">
-            <a:extLst>
-              <a:ext uri="{FF2B5EF4-FFF2-40B4-BE49-F238E27FC236}">
-                <a16:creationId xmlns:a16="http://schemas.microsoft.com/office/drawing/2014/main" id="{91A8D7BD-21DA-401E-B359-F5205E5E8119}"/>
-              </a:ext>
-            </a:extLst>
-          </p:cNvPr>
+          <p:cNvPr id="6" name="Slide Number Placeholder 5"/>
           <p:cNvSpPr>
             <a:spLocks noGrp="1"/>
           </p:cNvSpPr>
@@ -322,7 +295,7 @@
     </p:spTree>
     <p:extLst>
       <p:ext uri="{BB962C8B-B14F-4D97-AF65-F5344CB8AC3E}">
-        <p14:creationId xmlns:p14="http://schemas.microsoft.com/office/powerpoint/2010/main" val="195859107"/>
+        <p14:creationId xmlns:p14="http://schemas.microsoft.com/office/powerpoint/2010/main" val="512226871"/>
       </p:ext>
     </p:extLst>
   </p:cSld>
@@ -351,13 +324,7 @@
       </p:grpSpPr>
       <p:sp>
         <p:nvSpPr>
-          <p:cNvPr id="2" name="标题 1">
-            <a:extLst>
-              <a:ext uri="{FF2B5EF4-FFF2-40B4-BE49-F238E27FC236}">
-                <a16:creationId xmlns:a16="http://schemas.microsoft.com/office/drawing/2014/main" id="{B4A916B7-72A5-445A-9C4C-5E959F49A008}"/>
-              </a:ext>
-            </a:extLst>
-          </p:cNvPr>
+          <p:cNvPr id="2" name="Title 1"/>
           <p:cNvSpPr>
             <a:spLocks noGrp="1"/>
           </p:cNvSpPr>
@@ -374,18 +341,13 @@
               <a:rPr lang="zh-CN" altLang="en-US"/>
               <a:t>单击此处编辑母版标题样式</a:t>
             </a:r>
-          </a:p>
-        </p:txBody>
-      </p:sp>
-      <p:sp>
-        <p:nvSpPr>
-          <p:cNvPr id="3" name="竖排文字占位符 2">
-            <a:extLst>
-              <a:ext uri="{FF2B5EF4-FFF2-40B4-BE49-F238E27FC236}">
-                <a16:creationId xmlns:a16="http://schemas.microsoft.com/office/drawing/2014/main" id="{8FF7AD18-C3AB-49FD-91E0-D61990D3A02A}"/>
-              </a:ext>
-            </a:extLst>
-          </p:cNvPr>
+            <a:endParaRPr lang="en-US" dirty="0"/>
+          </a:p>
+        </p:txBody>
+      </p:sp>
+      <p:sp>
+        <p:nvSpPr>
+          <p:cNvPr id="3" name="Vertical Text Placeholder 2"/>
           <p:cNvSpPr>
             <a:spLocks noGrp="1"/>
           </p:cNvSpPr>
@@ -431,18 +393,13 @@
               <a:rPr lang="zh-CN" altLang="en-US"/>
               <a:t>第五级</a:t>
             </a:r>
-          </a:p>
-        </p:txBody>
-      </p:sp>
-      <p:sp>
-        <p:nvSpPr>
-          <p:cNvPr id="4" name="日期占位符 3">
-            <a:extLst>
-              <a:ext uri="{FF2B5EF4-FFF2-40B4-BE49-F238E27FC236}">
-                <a16:creationId xmlns:a16="http://schemas.microsoft.com/office/drawing/2014/main" id="{0AEAE7CD-C7E3-4722-8EDB-73F68642B783}"/>
-              </a:ext>
-            </a:extLst>
-          </p:cNvPr>
+            <a:endParaRPr lang="en-US" dirty="0"/>
+          </a:p>
+        </p:txBody>
+      </p:sp>
+      <p:sp>
+        <p:nvSpPr>
+          <p:cNvPr id="4" name="Date Placeholder 3"/>
           <p:cNvSpPr>
             <a:spLocks noGrp="1"/>
           </p:cNvSpPr>
@@ -457,7 +414,7 @@
           <a:p>
             <a:fld id="{180D7A04-2291-4D88-9768-AA43C4C09A00}" type="datetimeFigureOut">
               <a:rPr lang="zh-CN" altLang="en-US" smtClean="0"/>
-              <a:t>2021/3/1</a:t>
+              <a:t>2021/10/11</a:t>
             </a:fld>
             <a:endParaRPr lang="zh-CN" altLang="en-US"/>
           </a:p>
@@ -465,13 +422,7 @@
       </p:sp>
       <p:sp>
         <p:nvSpPr>
-          <p:cNvPr id="5" name="页脚占位符 4">
-            <a:extLst>
-              <a:ext uri="{FF2B5EF4-FFF2-40B4-BE49-F238E27FC236}">
-                <a16:creationId xmlns:a16="http://schemas.microsoft.com/office/drawing/2014/main" id="{B7B19AF3-58BA-4285-A271-8DFE0358D17C}"/>
-              </a:ext>
-            </a:extLst>
-          </p:cNvPr>
+          <p:cNvPr id="5" name="Footer Placeholder 4"/>
           <p:cNvSpPr>
             <a:spLocks noGrp="1"/>
           </p:cNvSpPr>
@@ -490,13 +441,7 @@
       </p:sp>
       <p:sp>
         <p:nvSpPr>
-          <p:cNvPr id="6" name="灯片编号占位符 5">
-            <a:extLst>
-              <a:ext uri="{FF2B5EF4-FFF2-40B4-BE49-F238E27FC236}">
-                <a16:creationId xmlns:a16="http://schemas.microsoft.com/office/drawing/2014/main" id="{42C0C712-A0BD-4FF7-BABF-E0AA285DC5C5}"/>
-              </a:ext>
-            </a:extLst>
-          </p:cNvPr>
+          <p:cNvPr id="6" name="Slide Number Placeholder 5"/>
           <p:cNvSpPr>
             <a:spLocks noGrp="1"/>
           </p:cNvSpPr>
@@ -520,7 +465,7 @@
     </p:spTree>
     <p:extLst>
       <p:ext uri="{BB962C8B-B14F-4D97-AF65-F5344CB8AC3E}">
-        <p14:creationId xmlns:p14="http://schemas.microsoft.com/office/powerpoint/2010/main" val="3637478477"/>
+        <p14:creationId xmlns:p14="http://schemas.microsoft.com/office/powerpoint/2010/main" val="1077155967"/>
       </p:ext>
     </p:extLst>
   </p:cSld>
@@ -549,13 +494,7 @@
       </p:grpSpPr>
       <p:sp>
         <p:nvSpPr>
-          <p:cNvPr id="2" name="竖排标题 1">
-            <a:extLst>
-              <a:ext uri="{FF2B5EF4-FFF2-40B4-BE49-F238E27FC236}">
-                <a16:creationId xmlns:a16="http://schemas.microsoft.com/office/drawing/2014/main" id="{979A35C1-4E0C-4069-A6C5-4D2A46608B15}"/>
-              </a:ext>
-            </a:extLst>
-          </p:cNvPr>
+          <p:cNvPr id="2" name="Vertical Title 1"/>
           <p:cNvSpPr>
             <a:spLocks noGrp="1"/>
           </p:cNvSpPr>
@@ -565,8 +504,8 @@
         </p:nvSpPr>
         <p:spPr>
           <a:xfrm>
-            <a:off x="8724900" y="365125"/>
-            <a:ext cx="2628900" cy="5811838"/>
+            <a:off x="5580300" y="231753"/>
+            <a:ext cx="1681401" cy="3688903"/>
           </a:xfrm>
         </p:spPr>
         <p:txBody>
@@ -577,18 +516,13 @@
               <a:rPr lang="zh-CN" altLang="en-US"/>
               <a:t>单击此处编辑母版标题样式</a:t>
             </a:r>
-          </a:p>
-        </p:txBody>
-      </p:sp>
-      <p:sp>
-        <p:nvSpPr>
-          <p:cNvPr id="3" name="竖排文字占位符 2">
-            <a:extLst>
-              <a:ext uri="{FF2B5EF4-FFF2-40B4-BE49-F238E27FC236}">
-                <a16:creationId xmlns:a16="http://schemas.microsoft.com/office/drawing/2014/main" id="{E2E89F87-6CEF-42F1-8243-815384E51012}"/>
-              </a:ext>
-            </a:extLst>
-          </p:cNvPr>
+            <a:endParaRPr lang="en-US" dirty="0"/>
+          </a:p>
+        </p:txBody>
+      </p:sp>
+      <p:sp>
+        <p:nvSpPr>
+          <p:cNvPr id="3" name="Vertical Text Placeholder 2"/>
           <p:cNvSpPr>
             <a:spLocks noGrp="1"/>
           </p:cNvSpPr>
@@ -598,8 +532,8 @@
         </p:nvSpPr>
         <p:spPr>
           <a:xfrm>
-            <a:off x="838200" y="365125"/>
-            <a:ext cx="7734300" cy="5811838"/>
+            <a:off x="536099" y="231753"/>
+            <a:ext cx="4946729" cy="3688903"/>
           </a:xfrm>
         </p:spPr>
         <p:txBody>
@@ -639,18 +573,13 @@
               <a:rPr lang="zh-CN" altLang="en-US"/>
               <a:t>第五级</a:t>
             </a:r>
-          </a:p>
-        </p:txBody>
-      </p:sp>
-      <p:sp>
-        <p:nvSpPr>
-          <p:cNvPr id="4" name="日期占位符 3">
-            <a:extLst>
-              <a:ext uri="{FF2B5EF4-FFF2-40B4-BE49-F238E27FC236}">
-                <a16:creationId xmlns:a16="http://schemas.microsoft.com/office/drawing/2014/main" id="{EA7715F4-223A-4A12-A6C2-68BE1647081F}"/>
-              </a:ext>
-            </a:extLst>
-          </p:cNvPr>
+            <a:endParaRPr lang="en-US" dirty="0"/>
+          </a:p>
+        </p:txBody>
+      </p:sp>
+      <p:sp>
+        <p:nvSpPr>
+          <p:cNvPr id="4" name="Date Placeholder 3"/>
           <p:cNvSpPr>
             <a:spLocks noGrp="1"/>
           </p:cNvSpPr>
@@ -665,7 +594,7 @@
           <a:p>
             <a:fld id="{180D7A04-2291-4D88-9768-AA43C4C09A00}" type="datetimeFigureOut">
               <a:rPr lang="zh-CN" altLang="en-US" smtClean="0"/>
-              <a:t>2021/3/1</a:t>
+              <a:t>2021/10/11</a:t>
             </a:fld>
             <a:endParaRPr lang="zh-CN" altLang="en-US"/>
           </a:p>
@@ -673,13 +602,7 @@
       </p:sp>
       <p:sp>
         <p:nvSpPr>
-          <p:cNvPr id="5" name="页脚占位符 4">
-            <a:extLst>
-              <a:ext uri="{FF2B5EF4-FFF2-40B4-BE49-F238E27FC236}">
-                <a16:creationId xmlns:a16="http://schemas.microsoft.com/office/drawing/2014/main" id="{221C7E56-F7CD-4234-934C-8C90A801C90D}"/>
-              </a:ext>
-            </a:extLst>
-          </p:cNvPr>
+          <p:cNvPr id="5" name="Footer Placeholder 4"/>
           <p:cNvSpPr>
             <a:spLocks noGrp="1"/>
           </p:cNvSpPr>
@@ -698,13 +621,7 @@
       </p:sp>
       <p:sp>
         <p:nvSpPr>
-          <p:cNvPr id="6" name="灯片编号占位符 5">
-            <a:extLst>
-              <a:ext uri="{FF2B5EF4-FFF2-40B4-BE49-F238E27FC236}">
-                <a16:creationId xmlns:a16="http://schemas.microsoft.com/office/drawing/2014/main" id="{3C0066CB-80E7-4B42-AD18-D4B5819D7A58}"/>
-              </a:ext>
-            </a:extLst>
-          </p:cNvPr>
+          <p:cNvPr id="6" name="Slide Number Placeholder 5"/>
           <p:cNvSpPr>
             <a:spLocks noGrp="1"/>
           </p:cNvSpPr>
@@ -728,7 +645,7 @@
     </p:spTree>
     <p:extLst>
       <p:ext uri="{BB962C8B-B14F-4D97-AF65-F5344CB8AC3E}">
-        <p14:creationId xmlns:p14="http://schemas.microsoft.com/office/powerpoint/2010/main" val="1783323635"/>
+        <p14:creationId xmlns:p14="http://schemas.microsoft.com/office/powerpoint/2010/main" val="2426869342"/>
       </p:ext>
     </p:extLst>
   </p:cSld>
@@ -757,13 +674,7 @@
       </p:grpSpPr>
       <p:sp>
         <p:nvSpPr>
-          <p:cNvPr id="2" name="标题 1">
-            <a:extLst>
-              <a:ext uri="{FF2B5EF4-FFF2-40B4-BE49-F238E27FC236}">
-                <a16:creationId xmlns:a16="http://schemas.microsoft.com/office/drawing/2014/main" id="{CF734B3C-7877-43ED-B393-151C94CDEE36}"/>
-              </a:ext>
-            </a:extLst>
-          </p:cNvPr>
+          <p:cNvPr id="2" name="Title 1"/>
           <p:cNvSpPr>
             <a:spLocks noGrp="1"/>
           </p:cNvSpPr>
@@ -780,18 +691,13 @@
               <a:rPr lang="zh-CN" altLang="en-US"/>
               <a:t>单击此处编辑母版标题样式</a:t>
             </a:r>
-          </a:p>
-        </p:txBody>
-      </p:sp>
-      <p:sp>
-        <p:nvSpPr>
-          <p:cNvPr id="3" name="内容占位符 2">
-            <a:extLst>
-              <a:ext uri="{FF2B5EF4-FFF2-40B4-BE49-F238E27FC236}">
-                <a16:creationId xmlns:a16="http://schemas.microsoft.com/office/drawing/2014/main" id="{C1327884-AF44-4921-8D99-F6A2F16A7C65}"/>
-              </a:ext>
-            </a:extLst>
-          </p:cNvPr>
+            <a:endParaRPr lang="en-US" dirty="0"/>
+          </a:p>
+        </p:txBody>
+      </p:sp>
+      <p:sp>
+        <p:nvSpPr>
+          <p:cNvPr id="3" name="Content Placeholder 2"/>
           <p:cNvSpPr>
             <a:spLocks noGrp="1"/>
           </p:cNvSpPr>
@@ -837,18 +743,13 @@
               <a:rPr lang="zh-CN" altLang="en-US"/>
               <a:t>第五级</a:t>
             </a:r>
-          </a:p>
-        </p:txBody>
-      </p:sp>
-      <p:sp>
-        <p:nvSpPr>
-          <p:cNvPr id="4" name="日期占位符 3">
-            <a:extLst>
-              <a:ext uri="{FF2B5EF4-FFF2-40B4-BE49-F238E27FC236}">
-                <a16:creationId xmlns:a16="http://schemas.microsoft.com/office/drawing/2014/main" id="{593FB45D-51C7-43A1-A082-ADD4B03DA89D}"/>
-              </a:ext>
-            </a:extLst>
-          </p:cNvPr>
+            <a:endParaRPr lang="en-US" dirty="0"/>
+          </a:p>
+        </p:txBody>
+      </p:sp>
+      <p:sp>
+        <p:nvSpPr>
+          <p:cNvPr id="4" name="Date Placeholder 3"/>
           <p:cNvSpPr>
             <a:spLocks noGrp="1"/>
           </p:cNvSpPr>
@@ -863,7 +764,7 @@
           <a:p>
             <a:fld id="{180D7A04-2291-4D88-9768-AA43C4C09A00}" type="datetimeFigureOut">
               <a:rPr lang="zh-CN" altLang="en-US" smtClean="0"/>
-              <a:t>2021/3/1</a:t>
+              <a:t>2021/10/11</a:t>
             </a:fld>
             <a:endParaRPr lang="zh-CN" altLang="en-US"/>
           </a:p>
@@ -871,13 +772,7 @@
       </p:sp>
       <p:sp>
         <p:nvSpPr>
-          <p:cNvPr id="5" name="页脚占位符 4">
-            <a:extLst>
-              <a:ext uri="{FF2B5EF4-FFF2-40B4-BE49-F238E27FC236}">
-                <a16:creationId xmlns:a16="http://schemas.microsoft.com/office/drawing/2014/main" id="{7E1A019A-5136-4C97-ACF9-CECC76DC6C87}"/>
-              </a:ext>
-            </a:extLst>
-          </p:cNvPr>
+          <p:cNvPr id="5" name="Footer Placeholder 4"/>
           <p:cNvSpPr>
             <a:spLocks noGrp="1"/>
           </p:cNvSpPr>
@@ -896,13 +791,7 @@
       </p:sp>
       <p:sp>
         <p:nvSpPr>
-          <p:cNvPr id="6" name="灯片编号占位符 5">
-            <a:extLst>
-              <a:ext uri="{FF2B5EF4-FFF2-40B4-BE49-F238E27FC236}">
-                <a16:creationId xmlns:a16="http://schemas.microsoft.com/office/drawing/2014/main" id="{0A8D6268-47AF-4431-B0AD-0ECC202B394E}"/>
-              </a:ext>
-            </a:extLst>
-          </p:cNvPr>
+          <p:cNvPr id="6" name="Slide Number Placeholder 5"/>
           <p:cNvSpPr>
             <a:spLocks noGrp="1"/>
           </p:cNvSpPr>
@@ -926,7 +815,7 @@
     </p:spTree>
     <p:extLst>
       <p:ext uri="{BB962C8B-B14F-4D97-AF65-F5344CB8AC3E}">
-        <p14:creationId xmlns:p14="http://schemas.microsoft.com/office/powerpoint/2010/main" val="2824529735"/>
+        <p14:creationId xmlns:p14="http://schemas.microsoft.com/office/powerpoint/2010/main" val="2645967254"/>
       </p:ext>
     </p:extLst>
   </p:cSld>
@@ -955,13 +844,7 @@
       </p:grpSpPr>
       <p:sp>
         <p:nvSpPr>
-          <p:cNvPr id="2" name="标题 1">
-            <a:extLst>
-              <a:ext uri="{FF2B5EF4-FFF2-40B4-BE49-F238E27FC236}">
-                <a16:creationId xmlns:a16="http://schemas.microsoft.com/office/drawing/2014/main" id="{4F4A9869-915F-496F-8F23-BE489F5063EA}"/>
-              </a:ext>
-            </a:extLst>
-          </p:cNvPr>
+          <p:cNvPr id="2" name="Title 1"/>
           <p:cNvSpPr>
             <a:spLocks noGrp="1"/>
           </p:cNvSpPr>
@@ -971,15 +854,15 @@
         </p:nvSpPr>
         <p:spPr>
           <a:xfrm>
-            <a:off x="831850" y="1709738"/>
-            <a:ext cx="10515600" cy="2852737"/>
+            <a:off x="532037" y="1085209"/>
+            <a:ext cx="6725603" cy="1810696"/>
           </a:xfrm>
         </p:spPr>
         <p:txBody>
           <a:bodyPr anchor="b"/>
           <a:lstStyle>
             <a:lvl1pPr>
-              <a:defRPr sz="6000"/>
+              <a:defRPr sz="3808"/>
             </a:lvl1pPr>
           </a:lstStyle>
           <a:p>
@@ -987,18 +870,13 @@
               <a:rPr lang="zh-CN" altLang="en-US"/>
               <a:t>单击此处编辑母版标题样式</a:t>
             </a:r>
-          </a:p>
-        </p:txBody>
-      </p:sp>
-      <p:sp>
-        <p:nvSpPr>
-          <p:cNvPr id="3" name="文本占位符 2">
-            <a:extLst>
-              <a:ext uri="{FF2B5EF4-FFF2-40B4-BE49-F238E27FC236}">
-                <a16:creationId xmlns:a16="http://schemas.microsoft.com/office/drawing/2014/main" id="{930FFB78-4933-4A7A-999A-FFFD341422C3}"/>
-              </a:ext>
-            </a:extLst>
-          </p:cNvPr>
+            <a:endParaRPr lang="en-US" dirty="0"/>
+          </a:p>
+        </p:txBody>
+      </p:sp>
+      <p:sp>
+        <p:nvSpPr>
+          <p:cNvPr id="3" name="Text Placeholder 2"/>
           <p:cNvSpPr>
             <a:spLocks noGrp="1"/>
           </p:cNvSpPr>
@@ -1008,8 +886,8 @@
         </p:nvSpPr>
         <p:spPr>
           <a:xfrm>
-            <a:off x="831850" y="4589463"/>
-            <a:ext cx="10515600" cy="1500187"/>
+            <a:off x="532037" y="2913034"/>
+            <a:ext cx="6725603" cy="952202"/>
           </a:xfrm>
         </p:spPr>
         <p:txBody>
@@ -1017,7 +895,7 @@
           <a:lstStyle>
             <a:lvl1pPr marL="0" indent="0">
               <a:buNone/>
-              <a:defRPr sz="2400">
+              <a:defRPr sz="1523">
                 <a:solidFill>
                   <a:schemeClr val="tx1">
                     <a:tint val="75000"/>
@@ -1025,9 +903,9 @@
                 </a:solidFill>
               </a:defRPr>
             </a:lvl1pPr>
-            <a:lvl2pPr marL="457200" indent="0">
-              <a:buNone/>
-              <a:defRPr sz="2000">
+            <a:lvl2pPr marL="290185" indent="0">
+              <a:buNone/>
+              <a:defRPr sz="1269">
                 <a:solidFill>
                   <a:schemeClr val="tx1">
                     <a:tint val="75000"/>
@@ -1035,9 +913,9 @@
                 </a:solidFill>
               </a:defRPr>
             </a:lvl2pPr>
-            <a:lvl3pPr marL="914400" indent="0">
-              <a:buNone/>
-              <a:defRPr sz="1800">
+            <a:lvl3pPr marL="580370" indent="0">
+              <a:buNone/>
+              <a:defRPr sz="1142">
                 <a:solidFill>
                   <a:schemeClr val="tx1">
                     <a:tint val="75000"/>
@@ -1045,9 +923,9 @@
                 </a:solidFill>
               </a:defRPr>
             </a:lvl3pPr>
-            <a:lvl4pPr marL="1371600" indent="0">
-              <a:buNone/>
-              <a:defRPr sz="1600">
+            <a:lvl4pPr marL="870555" indent="0">
+              <a:buNone/>
+              <a:defRPr sz="1016">
                 <a:solidFill>
                   <a:schemeClr val="tx1">
                     <a:tint val="75000"/>
@@ -1055,9 +933,9 @@
                 </a:solidFill>
               </a:defRPr>
             </a:lvl4pPr>
-            <a:lvl5pPr marL="1828800" indent="0">
-              <a:buNone/>
-              <a:defRPr sz="1600">
+            <a:lvl5pPr marL="1160739" indent="0">
+              <a:buNone/>
+              <a:defRPr sz="1016">
                 <a:solidFill>
                   <a:schemeClr val="tx1">
                     <a:tint val="75000"/>
@@ -1065,9 +943,9 @@
                 </a:solidFill>
               </a:defRPr>
             </a:lvl5pPr>
-            <a:lvl6pPr marL="2286000" indent="0">
-              <a:buNone/>
-              <a:defRPr sz="1600">
+            <a:lvl6pPr marL="1450924" indent="0">
+              <a:buNone/>
+              <a:defRPr sz="1016">
                 <a:solidFill>
                   <a:schemeClr val="tx1">
                     <a:tint val="75000"/>
@@ -1075,9 +953,9 @@
                 </a:solidFill>
               </a:defRPr>
             </a:lvl6pPr>
-            <a:lvl7pPr marL="2743200" indent="0">
-              <a:buNone/>
-              <a:defRPr sz="1600">
+            <a:lvl7pPr marL="1741109" indent="0">
+              <a:buNone/>
+              <a:defRPr sz="1016">
                 <a:solidFill>
                   <a:schemeClr val="tx1">
                     <a:tint val="75000"/>
@@ -1085,9 +963,9 @@
                 </a:solidFill>
               </a:defRPr>
             </a:lvl7pPr>
-            <a:lvl8pPr marL="3200400" indent="0">
-              <a:buNone/>
-              <a:defRPr sz="1600">
+            <a:lvl8pPr marL="2031294" indent="0">
+              <a:buNone/>
+              <a:defRPr sz="1016">
                 <a:solidFill>
                   <a:schemeClr val="tx1">
                     <a:tint val="75000"/>
@@ -1095,9 +973,9 @@
                 </a:solidFill>
               </a:defRPr>
             </a:lvl8pPr>
-            <a:lvl9pPr marL="3657600" indent="0">
-              <a:buNone/>
-              <a:defRPr sz="1600">
+            <a:lvl9pPr marL="2321479" indent="0">
+              <a:buNone/>
+              <a:defRPr sz="1016">
                 <a:solidFill>
                   <a:schemeClr val="tx1">
                     <a:tint val="75000"/>
@@ -1117,13 +995,7 @@
       </p:sp>
       <p:sp>
         <p:nvSpPr>
-          <p:cNvPr id="4" name="日期占位符 3">
-            <a:extLst>
-              <a:ext uri="{FF2B5EF4-FFF2-40B4-BE49-F238E27FC236}">
-                <a16:creationId xmlns:a16="http://schemas.microsoft.com/office/drawing/2014/main" id="{75D348F0-2B65-4C15-8992-02307CBD5678}"/>
-              </a:ext>
-            </a:extLst>
-          </p:cNvPr>
+          <p:cNvPr id="4" name="Date Placeholder 3"/>
           <p:cNvSpPr>
             <a:spLocks noGrp="1"/>
           </p:cNvSpPr>
@@ -1138,7 +1010,7 @@
           <a:p>
             <a:fld id="{180D7A04-2291-4D88-9768-AA43C4C09A00}" type="datetimeFigureOut">
               <a:rPr lang="zh-CN" altLang="en-US" smtClean="0"/>
-              <a:t>2021/3/1</a:t>
+              <a:t>2021/10/11</a:t>
             </a:fld>
             <a:endParaRPr lang="zh-CN" altLang="en-US"/>
           </a:p>
@@ -1146,13 +1018,7 @@
       </p:sp>
       <p:sp>
         <p:nvSpPr>
-          <p:cNvPr id="5" name="页脚占位符 4">
-            <a:extLst>
-              <a:ext uri="{FF2B5EF4-FFF2-40B4-BE49-F238E27FC236}">
-                <a16:creationId xmlns:a16="http://schemas.microsoft.com/office/drawing/2014/main" id="{D24324B7-E4E1-4DD3-9268-D080B851832F}"/>
-              </a:ext>
-            </a:extLst>
-          </p:cNvPr>
+          <p:cNvPr id="5" name="Footer Placeholder 4"/>
           <p:cNvSpPr>
             <a:spLocks noGrp="1"/>
           </p:cNvSpPr>
@@ -1171,13 +1037,7 @@
       </p:sp>
       <p:sp>
         <p:nvSpPr>
-          <p:cNvPr id="6" name="灯片编号占位符 5">
-            <a:extLst>
-              <a:ext uri="{FF2B5EF4-FFF2-40B4-BE49-F238E27FC236}">
-                <a16:creationId xmlns:a16="http://schemas.microsoft.com/office/drawing/2014/main" id="{8D364892-5717-4307-94B4-F78087A192F3}"/>
-              </a:ext>
-            </a:extLst>
-          </p:cNvPr>
+          <p:cNvPr id="6" name="Slide Number Placeholder 5"/>
           <p:cNvSpPr>
             <a:spLocks noGrp="1"/>
           </p:cNvSpPr>
@@ -1201,7 +1061,7 @@
     </p:spTree>
     <p:extLst>
       <p:ext uri="{BB962C8B-B14F-4D97-AF65-F5344CB8AC3E}">
-        <p14:creationId xmlns:p14="http://schemas.microsoft.com/office/powerpoint/2010/main" val="2928048905"/>
+        <p14:creationId xmlns:p14="http://schemas.microsoft.com/office/powerpoint/2010/main" val="2794603740"/>
       </p:ext>
     </p:extLst>
   </p:cSld>
@@ -1230,13 +1090,7 @@
       </p:grpSpPr>
       <p:sp>
         <p:nvSpPr>
-          <p:cNvPr id="2" name="标题 1">
-            <a:extLst>
-              <a:ext uri="{FF2B5EF4-FFF2-40B4-BE49-F238E27FC236}">
-                <a16:creationId xmlns:a16="http://schemas.microsoft.com/office/drawing/2014/main" id="{15433224-FE8E-4574-B4AE-6729CDA89FFC}"/>
-              </a:ext>
-            </a:extLst>
-          </p:cNvPr>
+          <p:cNvPr id="2" name="Title 1"/>
           <p:cNvSpPr>
             <a:spLocks noGrp="1"/>
           </p:cNvSpPr>
@@ -1253,18 +1107,13 @@
               <a:rPr lang="zh-CN" altLang="en-US"/>
               <a:t>单击此处编辑母版标题样式</a:t>
             </a:r>
-          </a:p>
-        </p:txBody>
-      </p:sp>
-      <p:sp>
-        <p:nvSpPr>
-          <p:cNvPr id="3" name="内容占位符 2">
-            <a:extLst>
-              <a:ext uri="{FF2B5EF4-FFF2-40B4-BE49-F238E27FC236}">
-                <a16:creationId xmlns:a16="http://schemas.microsoft.com/office/drawing/2014/main" id="{A33B39F0-3684-4305-B1A7-6EA97F5648C5}"/>
-              </a:ext>
-            </a:extLst>
-          </p:cNvPr>
+            <a:endParaRPr lang="en-US" dirty="0"/>
+          </a:p>
+        </p:txBody>
+      </p:sp>
+      <p:sp>
+        <p:nvSpPr>
+          <p:cNvPr id="3" name="Content Placeholder 2"/>
           <p:cNvSpPr>
             <a:spLocks noGrp="1"/>
           </p:cNvSpPr>
@@ -1274,8 +1123,8 @@
         </p:nvSpPr>
         <p:spPr>
           <a:xfrm>
-            <a:off x="838200" y="1825625"/>
-            <a:ext cx="5181600" cy="4351338"/>
+            <a:off x="536099" y="1158765"/>
+            <a:ext cx="3314065" cy="2761891"/>
           </a:xfrm>
         </p:spPr>
         <p:txBody>
@@ -1315,18 +1164,13 @@
               <a:rPr lang="zh-CN" altLang="en-US"/>
               <a:t>第五级</a:t>
             </a:r>
-          </a:p>
-        </p:txBody>
-      </p:sp>
-      <p:sp>
-        <p:nvSpPr>
-          <p:cNvPr id="4" name="内容占位符 3">
-            <a:extLst>
-              <a:ext uri="{FF2B5EF4-FFF2-40B4-BE49-F238E27FC236}">
-                <a16:creationId xmlns:a16="http://schemas.microsoft.com/office/drawing/2014/main" id="{FD76D8E1-9B31-4F4D-AEB3-4725FF40782E}"/>
-              </a:ext>
-            </a:extLst>
-          </p:cNvPr>
+            <a:endParaRPr lang="en-US" dirty="0"/>
+          </a:p>
+        </p:txBody>
+      </p:sp>
+      <p:sp>
+        <p:nvSpPr>
+          <p:cNvPr id="4" name="Content Placeholder 3"/>
           <p:cNvSpPr>
             <a:spLocks noGrp="1"/>
           </p:cNvSpPr>
@@ -1336,8 +1180,8 @@
         </p:nvSpPr>
         <p:spPr>
           <a:xfrm>
-            <a:off x="6172200" y="1825625"/>
-            <a:ext cx="5181600" cy="4351338"/>
+            <a:off x="3947636" y="1158765"/>
+            <a:ext cx="3314065" cy="2761891"/>
           </a:xfrm>
         </p:spPr>
         <p:txBody>
@@ -1377,18 +1221,13 @@
               <a:rPr lang="zh-CN" altLang="en-US"/>
               <a:t>第五级</a:t>
             </a:r>
-          </a:p>
-        </p:txBody>
-      </p:sp>
-      <p:sp>
-        <p:nvSpPr>
-          <p:cNvPr id="5" name="日期占位符 4">
-            <a:extLst>
-              <a:ext uri="{FF2B5EF4-FFF2-40B4-BE49-F238E27FC236}">
-                <a16:creationId xmlns:a16="http://schemas.microsoft.com/office/drawing/2014/main" id="{DC1113CD-89AD-4D49-8DDD-16ABE7C825DA}"/>
-              </a:ext>
-            </a:extLst>
-          </p:cNvPr>
+            <a:endParaRPr lang="en-US" dirty="0"/>
+          </a:p>
+        </p:txBody>
+      </p:sp>
+      <p:sp>
+        <p:nvSpPr>
+          <p:cNvPr id="5" name="Date Placeholder 4"/>
           <p:cNvSpPr>
             <a:spLocks noGrp="1"/>
           </p:cNvSpPr>
@@ -1403,7 +1242,7 @@
           <a:p>
             <a:fld id="{180D7A04-2291-4D88-9768-AA43C4C09A00}" type="datetimeFigureOut">
               <a:rPr lang="zh-CN" altLang="en-US" smtClean="0"/>
-              <a:t>2021/3/1</a:t>
+              <a:t>2021/10/11</a:t>
             </a:fld>
             <a:endParaRPr lang="zh-CN" altLang="en-US"/>
           </a:p>
@@ -1411,13 +1250,7 @@
       </p:sp>
       <p:sp>
         <p:nvSpPr>
-          <p:cNvPr id="6" name="页脚占位符 5">
-            <a:extLst>
-              <a:ext uri="{FF2B5EF4-FFF2-40B4-BE49-F238E27FC236}">
-                <a16:creationId xmlns:a16="http://schemas.microsoft.com/office/drawing/2014/main" id="{5EDE800B-F4EC-4BD9-882C-06115DF3B750}"/>
-              </a:ext>
-            </a:extLst>
-          </p:cNvPr>
+          <p:cNvPr id="6" name="Footer Placeholder 5"/>
           <p:cNvSpPr>
             <a:spLocks noGrp="1"/>
           </p:cNvSpPr>
@@ -1436,13 +1269,7 @@
       </p:sp>
       <p:sp>
         <p:nvSpPr>
-          <p:cNvPr id="7" name="灯片编号占位符 6">
-            <a:extLst>
-              <a:ext uri="{FF2B5EF4-FFF2-40B4-BE49-F238E27FC236}">
-                <a16:creationId xmlns:a16="http://schemas.microsoft.com/office/drawing/2014/main" id="{E34AA022-4671-4CD9-8DDA-AA3D99874D79}"/>
-              </a:ext>
-            </a:extLst>
-          </p:cNvPr>
+          <p:cNvPr id="7" name="Slide Number Placeholder 6"/>
           <p:cNvSpPr>
             <a:spLocks noGrp="1"/>
           </p:cNvSpPr>
@@ -1466,7 +1293,7 @@
     </p:spTree>
     <p:extLst>
       <p:ext uri="{BB962C8B-B14F-4D97-AF65-F5344CB8AC3E}">
-        <p14:creationId xmlns:p14="http://schemas.microsoft.com/office/powerpoint/2010/main" val="1483025878"/>
+        <p14:creationId xmlns:p14="http://schemas.microsoft.com/office/powerpoint/2010/main" val="2994981303"/>
       </p:ext>
     </p:extLst>
   </p:cSld>
@@ -1495,13 +1322,7 @@
       </p:grpSpPr>
       <p:sp>
         <p:nvSpPr>
-          <p:cNvPr id="2" name="标题 1">
-            <a:extLst>
-              <a:ext uri="{FF2B5EF4-FFF2-40B4-BE49-F238E27FC236}">
-                <a16:creationId xmlns:a16="http://schemas.microsoft.com/office/drawing/2014/main" id="{E676333D-055A-428B-BF85-4F5D1503F2AA}"/>
-              </a:ext>
-            </a:extLst>
-          </p:cNvPr>
+          <p:cNvPr id="2" name="Title 1"/>
           <p:cNvSpPr>
             <a:spLocks noGrp="1"/>
           </p:cNvSpPr>
@@ -1511,8 +1332,8 @@
         </p:nvSpPr>
         <p:spPr>
           <a:xfrm>
-            <a:off x="839788" y="365125"/>
-            <a:ext cx="10515600" cy="1325563"/>
+            <a:off x="537114" y="231753"/>
+            <a:ext cx="6725603" cy="841364"/>
           </a:xfrm>
         </p:spPr>
         <p:txBody>
@@ -1523,18 +1344,13 @@
               <a:rPr lang="zh-CN" altLang="en-US"/>
               <a:t>单击此处编辑母版标题样式</a:t>
             </a:r>
-          </a:p>
-        </p:txBody>
-      </p:sp>
-      <p:sp>
-        <p:nvSpPr>
-          <p:cNvPr id="3" name="文本占位符 2">
-            <a:extLst>
-              <a:ext uri="{FF2B5EF4-FFF2-40B4-BE49-F238E27FC236}">
-                <a16:creationId xmlns:a16="http://schemas.microsoft.com/office/drawing/2014/main" id="{CE1B32DE-E3B2-4BE5-8CE1-236D9DA45AAB}"/>
-              </a:ext>
-            </a:extLst>
-          </p:cNvPr>
+            <a:endParaRPr lang="en-US" dirty="0"/>
+          </a:p>
+        </p:txBody>
+      </p:sp>
+      <p:sp>
+        <p:nvSpPr>
+          <p:cNvPr id="3" name="Text Placeholder 2"/>
           <p:cNvSpPr>
             <a:spLocks noGrp="1"/>
           </p:cNvSpPr>
@@ -1544,8 +1360,8 @@
         </p:nvSpPr>
         <p:spPr>
           <a:xfrm>
-            <a:off x="839788" y="1681163"/>
-            <a:ext cx="5157787" cy="823912"/>
+            <a:off x="537115" y="1067072"/>
+            <a:ext cx="3298835" cy="522955"/>
           </a:xfrm>
         </p:spPr>
         <p:txBody>
@@ -1553,39 +1369,39 @@
           <a:lstStyle>
             <a:lvl1pPr marL="0" indent="0">
               <a:buNone/>
-              <a:defRPr sz="2400" b="1"/>
+              <a:defRPr sz="1523" b="1"/>
             </a:lvl1pPr>
-            <a:lvl2pPr marL="457200" indent="0">
-              <a:buNone/>
-              <a:defRPr sz="2000" b="1"/>
+            <a:lvl2pPr marL="290185" indent="0">
+              <a:buNone/>
+              <a:defRPr sz="1269" b="1"/>
             </a:lvl2pPr>
-            <a:lvl3pPr marL="914400" indent="0">
-              <a:buNone/>
-              <a:defRPr sz="1800" b="1"/>
+            <a:lvl3pPr marL="580370" indent="0">
+              <a:buNone/>
+              <a:defRPr sz="1142" b="1"/>
             </a:lvl3pPr>
-            <a:lvl4pPr marL="1371600" indent="0">
-              <a:buNone/>
-              <a:defRPr sz="1600" b="1"/>
+            <a:lvl4pPr marL="870555" indent="0">
+              <a:buNone/>
+              <a:defRPr sz="1016" b="1"/>
             </a:lvl4pPr>
-            <a:lvl5pPr marL="1828800" indent="0">
-              <a:buNone/>
-              <a:defRPr sz="1600" b="1"/>
+            <a:lvl5pPr marL="1160739" indent="0">
+              <a:buNone/>
+              <a:defRPr sz="1016" b="1"/>
             </a:lvl5pPr>
-            <a:lvl6pPr marL="2286000" indent="0">
-              <a:buNone/>
-              <a:defRPr sz="1600" b="1"/>
+            <a:lvl6pPr marL="1450924" indent="0">
+              <a:buNone/>
+              <a:defRPr sz="1016" b="1"/>
             </a:lvl6pPr>
-            <a:lvl7pPr marL="2743200" indent="0">
-              <a:buNone/>
-              <a:defRPr sz="1600" b="1"/>
+            <a:lvl7pPr marL="1741109" indent="0">
+              <a:buNone/>
+              <a:defRPr sz="1016" b="1"/>
             </a:lvl7pPr>
-            <a:lvl8pPr marL="3200400" indent="0">
-              <a:buNone/>
-              <a:defRPr sz="1600" b="1"/>
+            <a:lvl8pPr marL="2031294" indent="0">
+              <a:buNone/>
+              <a:defRPr sz="1016" b="1"/>
             </a:lvl8pPr>
-            <a:lvl9pPr marL="3657600" indent="0">
-              <a:buNone/>
-              <a:defRPr sz="1600" b="1"/>
+            <a:lvl9pPr marL="2321479" indent="0">
+              <a:buNone/>
+              <a:defRPr sz="1016" b="1"/>
             </a:lvl9pPr>
           </a:lstStyle>
           <a:p>
@@ -1599,13 +1415,7 @@
       </p:sp>
       <p:sp>
         <p:nvSpPr>
-          <p:cNvPr id="4" name="内容占位符 3">
-            <a:extLst>
-              <a:ext uri="{FF2B5EF4-FFF2-40B4-BE49-F238E27FC236}">
-                <a16:creationId xmlns:a16="http://schemas.microsoft.com/office/drawing/2014/main" id="{2D44B1F8-CD45-43C8-AC76-DCE9AB9ADCE7}"/>
-              </a:ext>
-            </a:extLst>
-          </p:cNvPr>
+          <p:cNvPr id="4" name="Content Placeholder 3"/>
           <p:cNvSpPr>
             <a:spLocks noGrp="1"/>
           </p:cNvSpPr>
@@ -1615,8 +1425,8 @@
         </p:nvSpPr>
         <p:spPr>
           <a:xfrm>
-            <a:off x="839788" y="2505075"/>
-            <a:ext cx="5157787" cy="3684588"/>
+            <a:off x="537115" y="1590027"/>
+            <a:ext cx="3298835" cy="2338690"/>
           </a:xfrm>
         </p:spPr>
         <p:txBody>
@@ -1656,18 +1466,13 @@
               <a:rPr lang="zh-CN" altLang="en-US"/>
               <a:t>第五级</a:t>
             </a:r>
-          </a:p>
-        </p:txBody>
-      </p:sp>
-      <p:sp>
-        <p:nvSpPr>
-          <p:cNvPr id="5" name="文本占位符 4">
-            <a:extLst>
-              <a:ext uri="{FF2B5EF4-FFF2-40B4-BE49-F238E27FC236}">
-                <a16:creationId xmlns:a16="http://schemas.microsoft.com/office/drawing/2014/main" id="{EA2109A1-910E-406F-8183-F5AED8FEFB17}"/>
-              </a:ext>
-            </a:extLst>
-          </p:cNvPr>
+            <a:endParaRPr lang="en-US" dirty="0"/>
+          </a:p>
+        </p:txBody>
+      </p:sp>
+      <p:sp>
+        <p:nvSpPr>
+          <p:cNvPr id="5" name="Text Placeholder 4"/>
           <p:cNvSpPr>
             <a:spLocks noGrp="1"/>
           </p:cNvSpPr>
@@ -1677,8 +1482,8 @@
         </p:nvSpPr>
         <p:spPr>
           <a:xfrm>
-            <a:off x="6172200" y="1681163"/>
-            <a:ext cx="5183188" cy="823912"/>
+            <a:off x="3947636" y="1067072"/>
+            <a:ext cx="3315081" cy="522955"/>
           </a:xfrm>
         </p:spPr>
         <p:txBody>
@@ -1686,39 +1491,39 @@
           <a:lstStyle>
             <a:lvl1pPr marL="0" indent="0">
               <a:buNone/>
-              <a:defRPr sz="2400" b="1"/>
+              <a:defRPr sz="1523" b="1"/>
             </a:lvl1pPr>
-            <a:lvl2pPr marL="457200" indent="0">
-              <a:buNone/>
-              <a:defRPr sz="2000" b="1"/>
+            <a:lvl2pPr marL="290185" indent="0">
+              <a:buNone/>
+              <a:defRPr sz="1269" b="1"/>
             </a:lvl2pPr>
-            <a:lvl3pPr marL="914400" indent="0">
-              <a:buNone/>
-              <a:defRPr sz="1800" b="1"/>
+            <a:lvl3pPr marL="580370" indent="0">
+              <a:buNone/>
+              <a:defRPr sz="1142" b="1"/>
             </a:lvl3pPr>
-            <a:lvl4pPr marL="1371600" indent="0">
-              <a:buNone/>
-              <a:defRPr sz="1600" b="1"/>
+            <a:lvl4pPr marL="870555" indent="0">
+              <a:buNone/>
+              <a:defRPr sz="1016" b="1"/>
             </a:lvl4pPr>
-            <a:lvl5pPr marL="1828800" indent="0">
-              <a:buNone/>
-              <a:defRPr sz="1600" b="1"/>
+            <a:lvl5pPr marL="1160739" indent="0">
+              <a:buNone/>
+              <a:defRPr sz="1016" b="1"/>
             </a:lvl5pPr>
-            <a:lvl6pPr marL="2286000" indent="0">
-              <a:buNone/>
-              <a:defRPr sz="1600" b="1"/>
+            <a:lvl6pPr marL="1450924" indent="0">
+              <a:buNone/>
+              <a:defRPr sz="1016" b="1"/>
             </a:lvl6pPr>
-            <a:lvl7pPr marL="2743200" indent="0">
-              <a:buNone/>
-              <a:defRPr sz="1600" b="1"/>
+            <a:lvl7pPr marL="1741109" indent="0">
+              <a:buNone/>
+              <a:defRPr sz="1016" b="1"/>
             </a:lvl7pPr>
-            <a:lvl8pPr marL="3200400" indent="0">
-              <a:buNone/>
-              <a:defRPr sz="1600" b="1"/>
+            <a:lvl8pPr marL="2031294" indent="0">
+              <a:buNone/>
+              <a:defRPr sz="1016" b="1"/>
             </a:lvl8pPr>
-            <a:lvl9pPr marL="3657600" indent="0">
-              <a:buNone/>
-              <a:defRPr sz="1600" b="1"/>
+            <a:lvl9pPr marL="2321479" indent="0">
+              <a:buNone/>
+              <a:defRPr sz="1016" b="1"/>
             </a:lvl9pPr>
           </a:lstStyle>
           <a:p>
@@ -1732,13 +1537,7 @@
       </p:sp>
       <p:sp>
         <p:nvSpPr>
-          <p:cNvPr id="6" name="内容占位符 5">
-            <a:extLst>
-              <a:ext uri="{FF2B5EF4-FFF2-40B4-BE49-F238E27FC236}">
-                <a16:creationId xmlns:a16="http://schemas.microsoft.com/office/drawing/2014/main" id="{F64A4FD1-7A95-46E4-9FC4-2199AEC4E2C7}"/>
-              </a:ext>
-            </a:extLst>
-          </p:cNvPr>
+          <p:cNvPr id="6" name="Content Placeholder 5"/>
           <p:cNvSpPr>
             <a:spLocks noGrp="1"/>
           </p:cNvSpPr>
@@ -1748,8 +1547,8 @@
         </p:nvSpPr>
         <p:spPr>
           <a:xfrm>
-            <a:off x="6172200" y="2505075"/>
-            <a:ext cx="5183188" cy="3684588"/>
+            <a:off x="3947636" y="1590027"/>
+            <a:ext cx="3315081" cy="2338690"/>
           </a:xfrm>
         </p:spPr>
         <p:txBody>
@@ -1789,18 +1588,13 @@
               <a:rPr lang="zh-CN" altLang="en-US"/>
               <a:t>第五级</a:t>
             </a:r>
-          </a:p>
-        </p:txBody>
-      </p:sp>
-      <p:sp>
-        <p:nvSpPr>
-          <p:cNvPr id="7" name="日期占位符 6">
-            <a:extLst>
-              <a:ext uri="{FF2B5EF4-FFF2-40B4-BE49-F238E27FC236}">
-                <a16:creationId xmlns:a16="http://schemas.microsoft.com/office/drawing/2014/main" id="{9C2C08FB-F32F-4CB3-AE08-4FE5F9678E91}"/>
-              </a:ext>
-            </a:extLst>
-          </p:cNvPr>
+            <a:endParaRPr lang="en-US" dirty="0"/>
+          </a:p>
+        </p:txBody>
+      </p:sp>
+      <p:sp>
+        <p:nvSpPr>
+          <p:cNvPr id="7" name="Date Placeholder 6"/>
           <p:cNvSpPr>
             <a:spLocks noGrp="1"/>
           </p:cNvSpPr>
@@ -1815,7 +1609,7 @@
           <a:p>
             <a:fld id="{180D7A04-2291-4D88-9768-AA43C4C09A00}" type="datetimeFigureOut">
               <a:rPr lang="zh-CN" altLang="en-US" smtClean="0"/>
-              <a:t>2021/3/1</a:t>
+              <a:t>2021/10/11</a:t>
             </a:fld>
             <a:endParaRPr lang="zh-CN" altLang="en-US"/>
           </a:p>
@@ -1823,13 +1617,7 @@
       </p:sp>
       <p:sp>
         <p:nvSpPr>
-          <p:cNvPr id="8" name="页脚占位符 7">
-            <a:extLst>
-              <a:ext uri="{FF2B5EF4-FFF2-40B4-BE49-F238E27FC236}">
-                <a16:creationId xmlns:a16="http://schemas.microsoft.com/office/drawing/2014/main" id="{C72F96C6-2A11-439B-8D8E-11DC89D552E4}"/>
-              </a:ext>
-            </a:extLst>
-          </p:cNvPr>
+          <p:cNvPr id="8" name="Footer Placeholder 7"/>
           <p:cNvSpPr>
             <a:spLocks noGrp="1"/>
           </p:cNvSpPr>
@@ -1848,13 +1636,7 @@
       </p:sp>
       <p:sp>
         <p:nvSpPr>
-          <p:cNvPr id="9" name="灯片编号占位符 8">
-            <a:extLst>
-              <a:ext uri="{FF2B5EF4-FFF2-40B4-BE49-F238E27FC236}">
-                <a16:creationId xmlns:a16="http://schemas.microsoft.com/office/drawing/2014/main" id="{C8809951-9194-4C52-8A4D-04C3430F1988}"/>
-              </a:ext>
-            </a:extLst>
-          </p:cNvPr>
+          <p:cNvPr id="9" name="Slide Number Placeholder 8"/>
           <p:cNvSpPr>
             <a:spLocks noGrp="1"/>
           </p:cNvSpPr>
@@ -1878,7 +1660,7 @@
     </p:spTree>
     <p:extLst>
       <p:ext uri="{BB962C8B-B14F-4D97-AF65-F5344CB8AC3E}">
-        <p14:creationId xmlns:p14="http://schemas.microsoft.com/office/powerpoint/2010/main" val="2953426804"/>
+        <p14:creationId xmlns:p14="http://schemas.microsoft.com/office/powerpoint/2010/main" val="1022887136"/>
       </p:ext>
     </p:extLst>
   </p:cSld>
@@ -1907,13 +1689,7 @@
       </p:grpSpPr>
       <p:sp>
         <p:nvSpPr>
-          <p:cNvPr id="2" name="标题 1">
-            <a:extLst>
-              <a:ext uri="{FF2B5EF4-FFF2-40B4-BE49-F238E27FC236}">
-                <a16:creationId xmlns:a16="http://schemas.microsoft.com/office/drawing/2014/main" id="{7877C955-4F78-4E89-BC22-8BB188BAF0B5}"/>
-              </a:ext>
-            </a:extLst>
-          </p:cNvPr>
+          <p:cNvPr id="2" name="Title 1"/>
           <p:cNvSpPr>
             <a:spLocks noGrp="1"/>
           </p:cNvSpPr>
@@ -1930,18 +1706,13 @@
               <a:rPr lang="zh-CN" altLang="en-US"/>
               <a:t>单击此处编辑母版标题样式</a:t>
             </a:r>
-          </a:p>
-        </p:txBody>
-      </p:sp>
-      <p:sp>
-        <p:nvSpPr>
-          <p:cNvPr id="3" name="日期占位符 2">
-            <a:extLst>
-              <a:ext uri="{FF2B5EF4-FFF2-40B4-BE49-F238E27FC236}">
-                <a16:creationId xmlns:a16="http://schemas.microsoft.com/office/drawing/2014/main" id="{AF227A94-5F12-4BB0-9169-9E0CD9074DC8}"/>
-              </a:ext>
-            </a:extLst>
-          </p:cNvPr>
+            <a:endParaRPr lang="en-US" dirty="0"/>
+          </a:p>
+        </p:txBody>
+      </p:sp>
+      <p:sp>
+        <p:nvSpPr>
+          <p:cNvPr id="3" name="Date Placeholder 2"/>
           <p:cNvSpPr>
             <a:spLocks noGrp="1"/>
           </p:cNvSpPr>
@@ -1956,7 +1727,7 @@
           <a:p>
             <a:fld id="{180D7A04-2291-4D88-9768-AA43C4C09A00}" type="datetimeFigureOut">
               <a:rPr lang="zh-CN" altLang="en-US" smtClean="0"/>
-              <a:t>2021/3/1</a:t>
+              <a:t>2021/10/11</a:t>
             </a:fld>
             <a:endParaRPr lang="zh-CN" altLang="en-US"/>
           </a:p>
@@ -1964,13 +1735,7 @@
       </p:sp>
       <p:sp>
         <p:nvSpPr>
-          <p:cNvPr id="4" name="页脚占位符 3">
-            <a:extLst>
-              <a:ext uri="{FF2B5EF4-FFF2-40B4-BE49-F238E27FC236}">
-                <a16:creationId xmlns:a16="http://schemas.microsoft.com/office/drawing/2014/main" id="{ABA38E92-8D50-4153-BFBC-DEFE32BF0D6C}"/>
-              </a:ext>
-            </a:extLst>
-          </p:cNvPr>
+          <p:cNvPr id="4" name="Footer Placeholder 3"/>
           <p:cNvSpPr>
             <a:spLocks noGrp="1"/>
           </p:cNvSpPr>
@@ -1989,13 +1754,7 @@
       </p:sp>
       <p:sp>
         <p:nvSpPr>
-          <p:cNvPr id="5" name="灯片编号占位符 4">
-            <a:extLst>
-              <a:ext uri="{FF2B5EF4-FFF2-40B4-BE49-F238E27FC236}">
-                <a16:creationId xmlns:a16="http://schemas.microsoft.com/office/drawing/2014/main" id="{18472A7E-223D-4973-94E9-C77CEFE9A33F}"/>
-              </a:ext>
-            </a:extLst>
-          </p:cNvPr>
+          <p:cNvPr id="5" name="Slide Number Placeholder 4"/>
           <p:cNvSpPr>
             <a:spLocks noGrp="1"/>
           </p:cNvSpPr>
@@ -2019,7 +1778,7 @@
     </p:spTree>
     <p:extLst>
       <p:ext uri="{BB962C8B-B14F-4D97-AF65-F5344CB8AC3E}">
-        <p14:creationId xmlns:p14="http://schemas.microsoft.com/office/powerpoint/2010/main" val="2948692574"/>
+        <p14:creationId xmlns:p14="http://schemas.microsoft.com/office/powerpoint/2010/main" val="1506153713"/>
       </p:ext>
     </p:extLst>
   </p:cSld>
@@ -2048,13 +1807,7 @@
       </p:grpSpPr>
       <p:sp>
         <p:nvSpPr>
-          <p:cNvPr id="2" name="日期占位符 1">
-            <a:extLst>
-              <a:ext uri="{FF2B5EF4-FFF2-40B4-BE49-F238E27FC236}">
-                <a16:creationId xmlns:a16="http://schemas.microsoft.com/office/drawing/2014/main" id="{5E7F893F-EBFD-4FBE-A832-37B516611E49}"/>
-              </a:ext>
-            </a:extLst>
-          </p:cNvPr>
+          <p:cNvPr id="2" name="Date Placeholder 1"/>
           <p:cNvSpPr>
             <a:spLocks noGrp="1"/>
           </p:cNvSpPr>
@@ -2069,7 +1822,7 @@
           <a:p>
             <a:fld id="{180D7A04-2291-4D88-9768-AA43C4C09A00}" type="datetimeFigureOut">
               <a:rPr lang="zh-CN" altLang="en-US" smtClean="0"/>
-              <a:t>2021/3/1</a:t>
+              <a:t>2021/10/11</a:t>
             </a:fld>
             <a:endParaRPr lang="zh-CN" altLang="en-US"/>
           </a:p>
@@ -2077,13 +1830,7 @@
       </p:sp>
       <p:sp>
         <p:nvSpPr>
-          <p:cNvPr id="3" name="页脚占位符 2">
-            <a:extLst>
-              <a:ext uri="{FF2B5EF4-FFF2-40B4-BE49-F238E27FC236}">
-                <a16:creationId xmlns:a16="http://schemas.microsoft.com/office/drawing/2014/main" id="{9CD50F74-513A-449F-BAFD-CA5FF5324CA4}"/>
-              </a:ext>
-            </a:extLst>
-          </p:cNvPr>
+          <p:cNvPr id="3" name="Footer Placeholder 2"/>
           <p:cNvSpPr>
             <a:spLocks noGrp="1"/>
           </p:cNvSpPr>
@@ -2102,13 +1849,7 @@
       </p:sp>
       <p:sp>
         <p:nvSpPr>
-          <p:cNvPr id="4" name="灯片编号占位符 3">
-            <a:extLst>
-              <a:ext uri="{FF2B5EF4-FFF2-40B4-BE49-F238E27FC236}">
-                <a16:creationId xmlns:a16="http://schemas.microsoft.com/office/drawing/2014/main" id="{9059C073-C536-4F7F-8E08-73945FB7C4F6}"/>
-              </a:ext>
-            </a:extLst>
-          </p:cNvPr>
+          <p:cNvPr id="4" name="Slide Number Placeholder 3"/>
           <p:cNvSpPr>
             <a:spLocks noGrp="1"/>
           </p:cNvSpPr>
@@ -2132,7 +1873,7 @@
     </p:spTree>
     <p:extLst>
       <p:ext uri="{BB962C8B-B14F-4D97-AF65-F5344CB8AC3E}">
-        <p14:creationId xmlns:p14="http://schemas.microsoft.com/office/powerpoint/2010/main" val="3857520494"/>
+        <p14:creationId xmlns:p14="http://schemas.microsoft.com/office/powerpoint/2010/main" val="1385738881"/>
       </p:ext>
     </p:extLst>
   </p:cSld>
@@ -2161,13 +1902,7 @@
       </p:grpSpPr>
       <p:sp>
         <p:nvSpPr>
-          <p:cNvPr id="2" name="标题 1">
-            <a:extLst>
-              <a:ext uri="{FF2B5EF4-FFF2-40B4-BE49-F238E27FC236}">
-                <a16:creationId xmlns:a16="http://schemas.microsoft.com/office/drawing/2014/main" id="{09F57D6A-EC12-4ACC-B08F-4E93B2358759}"/>
-              </a:ext>
-            </a:extLst>
-          </p:cNvPr>
+          <p:cNvPr id="2" name="Title 1"/>
           <p:cNvSpPr>
             <a:spLocks noGrp="1"/>
           </p:cNvSpPr>
@@ -2177,15 +1912,15 @@
         </p:nvSpPr>
         <p:spPr>
           <a:xfrm>
-            <a:off x="839788" y="457200"/>
-            <a:ext cx="3932237" cy="1600200"/>
+            <a:off x="537115" y="290195"/>
+            <a:ext cx="2514993" cy="1015683"/>
           </a:xfrm>
         </p:spPr>
         <p:txBody>
           <a:bodyPr anchor="b"/>
           <a:lstStyle>
             <a:lvl1pPr>
-              <a:defRPr sz="3200"/>
+              <a:defRPr sz="2031"/>
             </a:lvl1pPr>
           </a:lstStyle>
           <a:p>
@@ -2193,18 +1928,13 @@
               <a:rPr lang="zh-CN" altLang="en-US"/>
               <a:t>单击此处编辑母版标题样式</a:t>
             </a:r>
-          </a:p>
-        </p:txBody>
-      </p:sp>
-      <p:sp>
-        <p:nvSpPr>
-          <p:cNvPr id="3" name="内容占位符 2">
-            <a:extLst>
-              <a:ext uri="{FF2B5EF4-FFF2-40B4-BE49-F238E27FC236}">
-                <a16:creationId xmlns:a16="http://schemas.microsoft.com/office/drawing/2014/main" id="{D93DA3D9-0FB8-4656-B5EC-1FC311105312}"/>
-              </a:ext>
-            </a:extLst>
-          </p:cNvPr>
+            <a:endParaRPr lang="en-US" dirty="0"/>
+          </a:p>
+        </p:txBody>
+      </p:sp>
+      <p:sp>
+        <p:nvSpPr>
+          <p:cNvPr id="3" name="Content Placeholder 2"/>
           <p:cNvSpPr>
             <a:spLocks noGrp="1"/>
           </p:cNvSpPr>
@@ -2214,39 +1944,39 @@
         </p:nvSpPr>
         <p:spPr>
           <a:xfrm>
-            <a:off x="5183188" y="987425"/>
-            <a:ext cx="6172200" cy="4873625"/>
+            <a:off x="3315081" y="626741"/>
+            <a:ext cx="3947636" cy="3093398"/>
           </a:xfrm>
         </p:spPr>
         <p:txBody>
           <a:bodyPr/>
           <a:lstStyle>
             <a:lvl1pPr>
-              <a:defRPr sz="3200"/>
+              <a:defRPr sz="2031"/>
             </a:lvl1pPr>
             <a:lvl2pPr>
-              <a:defRPr sz="2800"/>
+              <a:defRPr sz="1777"/>
             </a:lvl2pPr>
             <a:lvl3pPr>
-              <a:defRPr sz="2400"/>
+              <a:defRPr sz="1523"/>
             </a:lvl3pPr>
             <a:lvl4pPr>
-              <a:defRPr sz="2000"/>
+              <a:defRPr sz="1269"/>
             </a:lvl4pPr>
             <a:lvl5pPr>
-              <a:defRPr sz="2000"/>
+              <a:defRPr sz="1269"/>
             </a:lvl5pPr>
             <a:lvl6pPr>
-              <a:defRPr sz="2000"/>
+              <a:defRPr sz="1269"/>
             </a:lvl6pPr>
             <a:lvl7pPr>
-              <a:defRPr sz="2000"/>
+              <a:defRPr sz="1269"/>
             </a:lvl7pPr>
             <a:lvl8pPr>
-              <a:defRPr sz="2000"/>
+              <a:defRPr sz="1269"/>
             </a:lvl8pPr>
             <a:lvl9pPr>
-              <a:defRPr sz="2000"/>
+              <a:defRPr sz="1269"/>
             </a:lvl9pPr>
           </a:lstStyle>
           <a:p>
@@ -2283,18 +2013,13 @@
               <a:rPr lang="zh-CN" altLang="en-US"/>
               <a:t>第五级</a:t>
             </a:r>
-          </a:p>
-        </p:txBody>
-      </p:sp>
-      <p:sp>
-        <p:nvSpPr>
-          <p:cNvPr id="4" name="文本占位符 3">
-            <a:extLst>
-              <a:ext uri="{FF2B5EF4-FFF2-40B4-BE49-F238E27FC236}">
-                <a16:creationId xmlns:a16="http://schemas.microsoft.com/office/drawing/2014/main" id="{B9FE911E-E000-490D-B7A8-6E342603335E}"/>
-              </a:ext>
-            </a:extLst>
-          </p:cNvPr>
+            <a:endParaRPr lang="en-US" dirty="0"/>
+          </a:p>
+        </p:txBody>
+      </p:sp>
+      <p:sp>
+        <p:nvSpPr>
+          <p:cNvPr id="4" name="Text Placeholder 3"/>
           <p:cNvSpPr>
             <a:spLocks noGrp="1"/>
           </p:cNvSpPr>
@@ -2304,8 +2029,8 @@
         </p:nvSpPr>
         <p:spPr>
           <a:xfrm>
-            <a:off x="839788" y="2057400"/>
-            <a:ext cx="3932237" cy="3811588"/>
+            <a:off x="537115" y="1305877"/>
+            <a:ext cx="2514993" cy="2419300"/>
           </a:xfrm>
         </p:spPr>
         <p:txBody>
@@ -2313,39 +2038,39 @@
           <a:lstStyle>
             <a:lvl1pPr marL="0" indent="0">
               <a:buNone/>
-              <a:defRPr sz="1600"/>
+              <a:defRPr sz="1016"/>
             </a:lvl1pPr>
-            <a:lvl2pPr marL="457200" indent="0">
-              <a:buNone/>
-              <a:defRPr sz="1400"/>
+            <a:lvl2pPr marL="290185" indent="0">
+              <a:buNone/>
+              <a:defRPr sz="889"/>
             </a:lvl2pPr>
-            <a:lvl3pPr marL="914400" indent="0">
-              <a:buNone/>
-              <a:defRPr sz="1200"/>
+            <a:lvl3pPr marL="580370" indent="0">
+              <a:buNone/>
+              <a:defRPr sz="762"/>
             </a:lvl3pPr>
-            <a:lvl4pPr marL="1371600" indent="0">
-              <a:buNone/>
-              <a:defRPr sz="1000"/>
+            <a:lvl4pPr marL="870555" indent="0">
+              <a:buNone/>
+              <a:defRPr sz="635"/>
             </a:lvl4pPr>
-            <a:lvl5pPr marL="1828800" indent="0">
-              <a:buNone/>
-              <a:defRPr sz="1000"/>
+            <a:lvl5pPr marL="1160739" indent="0">
+              <a:buNone/>
+              <a:defRPr sz="635"/>
             </a:lvl5pPr>
-            <a:lvl6pPr marL="2286000" indent="0">
-              <a:buNone/>
-              <a:defRPr sz="1000"/>
+            <a:lvl6pPr marL="1450924" indent="0">
+              <a:buNone/>
+              <a:defRPr sz="635"/>
             </a:lvl6pPr>
-            <a:lvl7pPr marL="2743200" indent="0">
-              <a:buNone/>
-              <a:defRPr sz="1000"/>
+            <a:lvl7pPr marL="1741109" indent="0">
+              <a:buNone/>
+              <a:defRPr sz="635"/>
             </a:lvl7pPr>
-            <a:lvl8pPr marL="3200400" indent="0">
-              <a:buNone/>
-              <a:defRPr sz="1000"/>
+            <a:lvl8pPr marL="2031294" indent="0">
+              <a:buNone/>
+              <a:defRPr sz="635"/>
             </a:lvl8pPr>
-            <a:lvl9pPr marL="3657600" indent="0">
-              <a:buNone/>
-              <a:defRPr sz="1000"/>
+            <a:lvl9pPr marL="2321479" indent="0">
+              <a:buNone/>
+              <a:defRPr sz="635"/>
             </a:lvl9pPr>
           </a:lstStyle>
           <a:p>
@@ -2359,13 +2084,7 @@
       </p:sp>
       <p:sp>
         <p:nvSpPr>
-          <p:cNvPr id="5" name="日期占位符 4">
-            <a:extLst>
-              <a:ext uri="{FF2B5EF4-FFF2-40B4-BE49-F238E27FC236}">
-                <a16:creationId xmlns:a16="http://schemas.microsoft.com/office/drawing/2014/main" id="{3FCD29ED-B324-4775-B158-8CF70EC62F60}"/>
-              </a:ext>
-            </a:extLst>
-          </p:cNvPr>
+          <p:cNvPr id="5" name="Date Placeholder 4"/>
           <p:cNvSpPr>
             <a:spLocks noGrp="1"/>
           </p:cNvSpPr>
@@ -2380,7 +2099,7 @@
           <a:p>
             <a:fld id="{180D7A04-2291-4D88-9768-AA43C4C09A00}" type="datetimeFigureOut">
               <a:rPr lang="zh-CN" altLang="en-US" smtClean="0"/>
-              <a:t>2021/3/1</a:t>
+              <a:t>2021/10/11</a:t>
             </a:fld>
             <a:endParaRPr lang="zh-CN" altLang="en-US"/>
           </a:p>
@@ -2388,13 +2107,7 @@
       </p:sp>
       <p:sp>
         <p:nvSpPr>
-          <p:cNvPr id="6" name="页脚占位符 5">
-            <a:extLst>
-              <a:ext uri="{FF2B5EF4-FFF2-40B4-BE49-F238E27FC236}">
-                <a16:creationId xmlns:a16="http://schemas.microsoft.com/office/drawing/2014/main" id="{46188314-776A-46AF-8556-BDE0F9385BD1}"/>
-              </a:ext>
-            </a:extLst>
-          </p:cNvPr>
+          <p:cNvPr id="6" name="Footer Placeholder 5"/>
           <p:cNvSpPr>
             <a:spLocks noGrp="1"/>
           </p:cNvSpPr>
@@ -2413,13 +2126,7 @@
       </p:sp>
       <p:sp>
         <p:nvSpPr>
-          <p:cNvPr id="7" name="灯片编号占位符 6">
-            <a:extLst>
-              <a:ext uri="{FF2B5EF4-FFF2-40B4-BE49-F238E27FC236}">
-                <a16:creationId xmlns:a16="http://schemas.microsoft.com/office/drawing/2014/main" id="{DA5F1BB3-425A-410F-A3D2-594C881C81D2}"/>
-              </a:ext>
-            </a:extLst>
-          </p:cNvPr>
+          <p:cNvPr id="7" name="Slide Number Placeholder 6"/>
           <p:cNvSpPr>
             <a:spLocks noGrp="1"/>
           </p:cNvSpPr>
@@ -2443,7 +2150,7 @@
     </p:spTree>
     <p:extLst>
       <p:ext uri="{BB962C8B-B14F-4D97-AF65-F5344CB8AC3E}">
-        <p14:creationId xmlns:p14="http://schemas.microsoft.com/office/powerpoint/2010/main" val="1195032656"/>
+        <p14:creationId xmlns:p14="http://schemas.microsoft.com/office/powerpoint/2010/main" val="2216137285"/>
       </p:ext>
     </p:extLst>
   </p:cSld>
@@ -2472,13 +2179,7 @@
       </p:grpSpPr>
       <p:sp>
         <p:nvSpPr>
-          <p:cNvPr id="2" name="标题 1">
-            <a:extLst>
-              <a:ext uri="{FF2B5EF4-FFF2-40B4-BE49-F238E27FC236}">
-                <a16:creationId xmlns:a16="http://schemas.microsoft.com/office/drawing/2014/main" id="{8AFAE5CA-9157-4E0D-89AF-E0BF7752AB1B}"/>
-              </a:ext>
-            </a:extLst>
-          </p:cNvPr>
+          <p:cNvPr id="2" name="Title 1"/>
           <p:cNvSpPr>
             <a:spLocks noGrp="1"/>
           </p:cNvSpPr>
@@ -2488,15 +2189,15 @@
         </p:nvSpPr>
         <p:spPr>
           <a:xfrm>
-            <a:off x="839788" y="457200"/>
-            <a:ext cx="3932237" cy="1600200"/>
+            <a:off x="537115" y="290195"/>
+            <a:ext cx="2514993" cy="1015683"/>
           </a:xfrm>
         </p:spPr>
         <p:txBody>
           <a:bodyPr anchor="b"/>
           <a:lstStyle>
             <a:lvl1pPr>
-              <a:defRPr sz="3200"/>
+              <a:defRPr sz="2031"/>
             </a:lvl1pPr>
           </a:lstStyle>
           <a:p>
@@ -2504,20 +2205,15 @@
               <a:rPr lang="zh-CN" altLang="en-US"/>
               <a:t>单击此处编辑母版标题样式</a:t>
             </a:r>
-          </a:p>
-        </p:txBody>
-      </p:sp>
-      <p:sp>
-        <p:nvSpPr>
-          <p:cNvPr id="3" name="图片占位符 2">
-            <a:extLst>
-              <a:ext uri="{FF2B5EF4-FFF2-40B4-BE49-F238E27FC236}">
-                <a16:creationId xmlns:a16="http://schemas.microsoft.com/office/drawing/2014/main" id="{AFEC81C8-C5C4-4835-9DDF-5E8282AFEA0C}"/>
-              </a:ext>
-            </a:extLst>
-          </p:cNvPr>
-          <p:cNvSpPr>
-            <a:spLocks noGrp="1"/>
+            <a:endParaRPr lang="en-US" dirty="0"/>
+          </a:p>
+        </p:txBody>
+      </p:sp>
+      <p:sp>
+        <p:nvSpPr>
+          <p:cNvPr id="3" name="Picture Placeholder 2"/>
+          <p:cNvSpPr>
+            <a:spLocks noGrp="1" noChangeAspect="1"/>
           </p:cNvSpPr>
           <p:nvPr>
             <p:ph type="pic" idx="1"/>
@@ -2525,64 +2221,62 @@
         </p:nvSpPr>
         <p:spPr>
           <a:xfrm>
-            <a:off x="5183188" y="987425"/>
-            <a:ext cx="6172200" cy="4873625"/>
+            <a:off x="3315081" y="626741"/>
+            <a:ext cx="3947636" cy="3093398"/>
           </a:xfrm>
         </p:spPr>
         <p:txBody>
-          <a:bodyPr/>
+          <a:bodyPr anchor="t"/>
           <a:lstStyle>
             <a:lvl1pPr marL="0" indent="0">
               <a:buNone/>
-              <a:defRPr sz="3200"/>
+              <a:defRPr sz="2031"/>
             </a:lvl1pPr>
-            <a:lvl2pPr marL="457200" indent="0">
-              <a:buNone/>
-              <a:defRPr sz="2800"/>
+            <a:lvl2pPr marL="290185" indent="0">
+              <a:buNone/>
+              <a:defRPr sz="1777"/>
             </a:lvl2pPr>
-            <a:lvl3pPr marL="914400" indent="0">
-              <a:buNone/>
-              <a:defRPr sz="2400"/>
+            <a:lvl3pPr marL="580370" indent="0">
+              <a:buNone/>
+              <a:defRPr sz="1523"/>
             </a:lvl3pPr>
-            <a:lvl4pPr marL="1371600" indent="0">
-              <a:buNone/>
-              <a:defRPr sz="2000"/>
+            <a:lvl4pPr marL="870555" indent="0">
+              <a:buNone/>
+              <a:defRPr sz="1269"/>
             </a:lvl4pPr>
-            <a:lvl5pPr marL="1828800" indent="0">
-              <a:buNone/>
-              <a:defRPr sz="2000"/>
+            <a:lvl5pPr marL="1160739" indent="0">
+              <a:buNone/>
+              <a:defRPr sz="1269"/>
             </a:lvl5pPr>
-            <a:lvl6pPr marL="2286000" indent="0">
-              <a:buNone/>
-              <a:defRPr sz="2000"/>
+            <a:lvl6pPr marL="1450924" indent="0">
+              <a:buNone/>
+              <a:defRPr sz="1269"/>
             </a:lvl6pPr>
-            <a:lvl7pPr marL="2743200" indent="0">
-              <a:buNone/>
-              <a:defRPr sz="2000"/>
+            <a:lvl7pPr marL="1741109" indent="0">
+              <a:buNone/>
+              <a:defRPr sz="1269"/>
             </a:lvl7pPr>
-            <a:lvl8pPr marL="3200400" indent="0">
-              <a:buNone/>
-              <a:defRPr sz="2000"/>
+            <a:lvl8pPr marL="2031294" indent="0">
+              <a:buNone/>
+              <a:defRPr sz="1269"/>
             </a:lvl8pPr>
-            <a:lvl9pPr marL="3657600" indent="0">
-              <a:buNone/>
-              <a:defRPr sz="2000"/>
+            <a:lvl9pPr marL="2321479" indent="0">
+              <a:buNone/>
+              <a:defRPr sz="1269"/>
             </a:lvl9pPr>
           </a:lstStyle>
           <a:p>
-            <a:endParaRPr lang="zh-CN" altLang="en-US"/>
-          </a:p>
-        </p:txBody>
-      </p:sp>
-      <p:sp>
-        <p:nvSpPr>
-          <p:cNvPr id="4" name="文本占位符 3">
-            <a:extLst>
-              <a:ext uri="{FF2B5EF4-FFF2-40B4-BE49-F238E27FC236}">
-                <a16:creationId xmlns:a16="http://schemas.microsoft.com/office/drawing/2014/main" id="{3705B7BE-43F4-41AC-8985-05D041B3A8AF}"/>
-              </a:ext>
-            </a:extLst>
-          </p:cNvPr>
+            <a:r>
+              <a:rPr lang="zh-CN" altLang="en-US"/>
+              <a:t>单击图标添加图片</a:t>
+            </a:r>
+            <a:endParaRPr lang="en-US" dirty="0"/>
+          </a:p>
+        </p:txBody>
+      </p:sp>
+      <p:sp>
+        <p:nvSpPr>
+          <p:cNvPr id="4" name="Text Placeholder 3"/>
           <p:cNvSpPr>
             <a:spLocks noGrp="1"/>
           </p:cNvSpPr>
@@ -2592,8 +2286,8 @@
         </p:nvSpPr>
         <p:spPr>
           <a:xfrm>
-            <a:off x="839788" y="2057400"/>
-            <a:ext cx="3932237" cy="3811588"/>
+            <a:off x="537115" y="1305877"/>
+            <a:ext cx="2514993" cy="2419300"/>
           </a:xfrm>
         </p:spPr>
         <p:txBody>
@@ -2601,39 +2295,39 @@
           <a:lstStyle>
             <a:lvl1pPr marL="0" indent="0">
               <a:buNone/>
-              <a:defRPr sz="1600"/>
+              <a:defRPr sz="1016"/>
             </a:lvl1pPr>
-            <a:lvl2pPr marL="457200" indent="0">
-              <a:buNone/>
-              <a:defRPr sz="1400"/>
+            <a:lvl2pPr marL="290185" indent="0">
+              <a:buNone/>
+              <a:defRPr sz="889"/>
             </a:lvl2pPr>
-            <a:lvl3pPr marL="914400" indent="0">
-              <a:buNone/>
-              <a:defRPr sz="1200"/>
+            <a:lvl3pPr marL="580370" indent="0">
+              <a:buNone/>
+              <a:defRPr sz="762"/>
             </a:lvl3pPr>
-            <a:lvl4pPr marL="1371600" indent="0">
-              <a:buNone/>
-              <a:defRPr sz="1000"/>
+            <a:lvl4pPr marL="870555" indent="0">
+              <a:buNone/>
+              <a:defRPr sz="635"/>
             </a:lvl4pPr>
-            <a:lvl5pPr marL="1828800" indent="0">
-              <a:buNone/>
-              <a:defRPr sz="1000"/>
+            <a:lvl5pPr marL="1160739" indent="0">
+              <a:buNone/>
+              <a:defRPr sz="635"/>
             </a:lvl5pPr>
-            <a:lvl6pPr marL="2286000" indent="0">
-              <a:buNone/>
-              <a:defRPr sz="1000"/>
+            <a:lvl6pPr marL="1450924" indent="0">
+              <a:buNone/>
+              <a:defRPr sz="635"/>
             </a:lvl6pPr>
-            <a:lvl7pPr marL="2743200" indent="0">
-              <a:buNone/>
-              <a:defRPr sz="1000"/>
+            <a:lvl7pPr marL="1741109" indent="0">
+              <a:buNone/>
+              <a:defRPr sz="635"/>
             </a:lvl7pPr>
-            <a:lvl8pPr marL="3200400" indent="0">
-              <a:buNone/>
-              <a:defRPr sz="1000"/>
+            <a:lvl8pPr marL="2031294" indent="0">
+              <a:buNone/>
+              <a:defRPr sz="635"/>
             </a:lvl8pPr>
-            <a:lvl9pPr marL="3657600" indent="0">
-              <a:buNone/>
-              <a:defRPr sz="1000"/>
+            <a:lvl9pPr marL="2321479" indent="0">
+              <a:buNone/>
+              <a:defRPr sz="635"/>
             </a:lvl9pPr>
           </a:lstStyle>
           <a:p>
@@ -2647,13 +2341,7 @@
       </p:sp>
       <p:sp>
         <p:nvSpPr>
-          <p:cNvPr id="5" name="日期占位符 4">
-            <a:extLst>
-              <a:ext uri="{FF2B5EF4-FFF2-40B4-BE49-F238E27FC236}">
-                <a16:creationId xmlns:a16="http://schemas.microsoft.com/office/drawing/2014/main" id="{BF36DD3B-6F22-4EE4-AEB9-7941E760BE23}"/>
-              </a:ext>
-            </a:extLst>
-          </p:cNvPr>
+          <p:cNvPr id="5" name="Date Placeholder 4"/>
           <p:cNvSpPr>
             <a:spLocks noGrp="1"/>
           </p:cNvSpPr>
@@ -2668,7 +2356,7 @@
           <a:p>
             <a:fld id="{180D7A04-2291-4D88-9768-AA43C4C09A00}" type="datetimeFigureOut">
               <a:rPr lang="zh-CN" altLang="en-US" smtClean="0"/>
-              <a:t>2021/3/1</a:t>
+              <a:t>2021/10/11</a:t>
             </a:fld>
             <a:endParaRPr lang="zh-CN" altLang="en-US"/>
           </a:p>
@@ -2676,13 +2364,7 @@
       </p:sp>
       <p:sp>
         <p:nvSpPr>
-          <p:cNvPr id="6" name="页脚占位符 5">
-            <a:extLst>
-              <a:ext uri="{FF2B5EF4-FFF2-40B4-BE49-F238E27FC236}">
-                <a16:creationId xmlns:a16="http://schemas.microsoft.com/office/drawing/2014/main" id="{EE8C7E05-F431-4F85-8C71-382A10A4D96E}"/>
-              </a:ext>
-            </a:extLst>
-          </p:cNvPr>
+          <p:cNvPr id="6" name="Footer Placeholder 5"/>
           <p:cNvSpPr>
             <a:spLocks noGrp="1"/>
           </p:cNvSpPr>
@@ -2701,13 +2383,7 @@
       </p:sp>
       <p:sp>
         <p:nvSpPr>
-          <p:cNvPr id="7" name="灯片编号占位符 6">
-            <a:extLst>
-              <a:ext uri="{FF2B5EF4-FFF2-40B4-BE49-F238E27FC236}">
-                <a16:creationId xmlns:a16="http://schemas.microsoft.com/office/drawing/2014/main" id="{B0B322E5-5A37-49FA-8771-33644A99529B}"/>
-              </a:ext>
-            </a:extLst>
-          </p:cNvPr>
+          <p:cNvPr id="7" name="Slide Number Placeholder 6"/>
           <p:cNvSpPr>
             <a:spLocks noGrp="1"/>
           </p:cNvSpPr>
@@ -2731,7 +2407,7 @@
     </p:spTree>
     <p:extLst>
       <p:ext uri="{BB962C8B-B14F-4D97-AF65-F5344CB8AC3E}">
-        <p14:creationId xmlns:p14="http://schemas.microsoft.com/office/powerpoint/2010/main" val="921874112"/>
+        <p14:creationId xmlns:p14="http://schemas.microsoft.com/office/powerpoint/2010/main" val="136577734"/>
       </p:ext>
     </p:extLst>
   </p:cSld>
@@ -2765,13 +2441,7 @@
       </p:grpSpPr>
       <p:sp>
         <p:nvSpPr>
-          <p:cNvPr id="2" name="标题占位符 1">
-            <a:extLst>
-              <a:ext uri="{FF2B5EF4-FFF2-40B4-BE49-F238E27FC236}">
-                <a16:creationId xmlns:a16="http://schemas.microsoft.com/office/drawing/2014/main" id="{E65FCFA4-91A2-4214-9BC8-975F1ABBBDFD}"/>
-              </a:ext>
-            </a:extLst>
-          </p:cNvPr>
+          <p:cNvPr id="2" name="Title Placeholder 1"/>
           <p:cNvSpPr>
             <a:spLocks noGrp="1"/>
           </p:cNvSpPr>
@@ -2781,8 +2451,8 @@
         </p:nvSpPr>
         <p:spPr>
           <a:xfrm>
-            <a:off x="838200" y="365125"/>
-            <a:ext cx="10515600" cy="1325563"/>
+            <a:off x="536099" y="231753"/>
+            <a:ext cx="6725603" cy="841364"/>
           </a:xfrm>
           <a:prstGeom prst="rect">
             <a:avLst/>
@@ -2798,18 +2468,13 @@
               <a:rPr lang="zh-CN" altLang="en-US"/>
               <a:t>单击此处编辑母版标题样式</a:t>
             </a:r>
-          </a:p>
-        </p:txBody>
-      </p:sp>
-      <p:sp>
-        <p:nvSpPr>
-          <p:cNvPr id="3" name="文本占位符 2">
-            <a:extLst>
-              <a:ext uri="{FF2B5EF4-FFF2-40B4-BE49-F238E27FC236}">
-                <a16:creationId xmlns:a16="http://schemas.microsoft.com/office/drawing/2014/main" id="{E347EF99-70D4-4773-BBD3-53E73BA4B21A}"/>
-              </a:ext>
-            </a:extLst>
-          </p:cNvPr>
+            <a:endParaRPr lang="en-US" dirty="0"/>
+          </a:p>
+        </p:txBody>
+      </p:sp>
+      <p:sp>
+        <p:nvSpPr>
+          <p:cNvPr id="3" name="Text Placeholder 2"/>
           <p:cNvSpPr>
             <a:spLocks noGrp="1"/>
           </p:cNvSpPr>
@@ -2819,8 +2484,8 @@
         </p:nvSpPr>
         <p:spPr>
           <a:xfrm>
-            <a:off x="838200" y="1825625"/>
-            <a:ext cx="10515600" cy="4351338"/>
+            <a:off x="536099" y="1158765"/>
+            <a:ext cx="6725603" cy="2761891"/>
           </a:xfrm>
           <a:prstGeom prst="rect">
             <a:avLst/>
@@ -2865,18 +2530,13 @@
               <a:rPr lang="zh-CN" altLang="en-US"/>
               <a:t>第五级</a:t>
             </a:r>
-          </a:p>
-        </p:txBody>
-      </p:sp>
-      <p:sp>
-        <p:nvSpPr>
-          <p:cNvPr id="4" name="日期占位符 3">
-            <a:extLst>
-              <a:ext uri="{FF2B5EF4-FFF2-40B4-BE49-F238E27FC236}">
-                <a16:creationId xmlns:a16="http://schemas.microsoft.com/office/drawing/2014/main" id="{AA4C1FFE-DF3C-49A9-A351-3D955C9423E1}"/>
-              </a:ext>
-            </a:extLst>
-          </p:cNvPr>
+            <a:endParaRPr lang="en-US" dirty="0"/>
+          </a:p>
+        </p:txBody>
+      </p:sp>
+      <p:sp>
+        <p:nvSpPr>
+          <p:cNvPr id="4" name="Date Placeholder 3"/>
           <p:cNvSpPr>
             <a:spLocks noGrp="1"/>
           </p:cNvSpPr>
@@ -2886,8 +2546,8 @@
         </p:nvSpPr>
         <p:spPr>
           <a:xfrm>
-            <a:off x="838200" y="6356350"/>
-            <a:ext cx="2743200" cy="365125"/>
+            <a:off x="536099" y="4034517"/>
+            <a:ext cx="1754505" cy="231753"/>
           </a:xfrm>
           <a:prstGeom prst="rect">
             <a:avLst/>
@@ -2897,7 +2557,7 @@
           <a:bodyPr vert="horz" lIns="91440" tIns="45720" rIns="91440" bIns="45720" rtlCol="0" anchor="ctr"/>
           <a:lstStyle>
             <a:lvl1pPr algn="l">
-              <a:defRPr sz="1200">
+              <a:defRPr sz="762">
                 <a:solidFill>
                   <a:schemeClr val="tx1">
                     <a:tint val="75000"/>
@@ -2909,7 +2569,7 @@
           <a:p>
             <a:fld id="{180D7A04-2291-4D88-9768-AA43C4C09A00}" type="datetimeFigureOut">
               <a:rPr lang="zh-CN" altLang="en-US" smtClean="0"/>
-              <a:t>2021/3/1</a:t>
+              <a:t>2021/10/11</a:t>
             </a:fld>
             <a:endParaRPr lang="zh-CN" altLang="en-US"/>
           </a:p>
@@ -2917,13 +2577,7 @@
       </p:sp>
       <p:sp>
         <p:nvSpPr>
-          <p:cNvPr id="5" name="页脚占位符 4">
-            <a:extLst>
-              <a:ext uri="{FF2B5EF4-FFF2-40B4-BE49-F238E27FC236}">
-                <a16:creationId xmlns:a16="http://schemas.microsoft.com/office/drawing/2014/main" id="{4252B49D-7151-4C97-9023-DF6F26B770FD}"/>
-              </a:ext>
-            </a:extLst>
-          </p:cNvPr>
+          <p:cNvPr id="5" name="Footer Placeholder 4"/>
           <p:cNvSpPr>
             <a:spLocks noGrp="1"/>
           </p:cNvSpPr>
@@ -2933,8 +2587,8 @@
         </p:nvSpPr>
         <p:spPr>
           <a:xfrm>
-            <a:off x="4038600" y="6356350"/>
-            <a:ext cx="4114800" cy="365125"/>
+            <a:off x="2583021" y="4034517"/>
+            <a:ext cx="2631758" cy="231753"/>
           </a:xfrm>
           <a:prstGeom prst="rect">
             <a:avLst/>
@@ -2944,7 +2598,7 @@
           <a:bodyPr vert="horz" lIns="91440" tIns="45720" rIns="91440" bIns="45720" rtlCol="0" anchor="ctr"/>
           <a:lstStyle>
             <a:lvl1pPr algn="ctr">
-              <a:defRPr sz="1200">
+              <a:defRPr sz="762">
                 <a:solidFill>
                   <a:schemeClr val="tx1">
                     <a:tint val="75000"/>
@@ -2960,13 +2614,7 @@
       </p:sp>
       <p:sp>
         <p:nvSpPr>
-          <p:cNvPr id="6" name="灯片编号占位符 5">
-            <a:extLst>
-              <a:ext uri="{FF2B5EF4-FFF2-40B4-BE49-F238E27FC236}">
-                <a16:creationId xmlns:a16="http://schemas.microsoft.com/office/drawing/2014/main" id="{056A530D-365D-4F19-B732-9A047C33E237}"/>
-              </a:ext>
-            </a:extLst>
-          </p:cNvPr>
+          <p:cNvPr id="6" name="Slide Number Placeholder 5"/>
           <p:cNvSpPr>
             <a:spLocks noGrp="1"/>
           </p:cNvSpPr>
@@ -2976,8 +2624,8 @@
         </p:nvSpPr>
         <p:spPr>
           <a:xfrm>
-            <a:off x="8610600" y="6356350"/>
-            <a:ext cx="2743200" cy="365125"/>
+            <a:off x="5507196" y="4034517"/>
+            <a:ext cx="1754505" cy="231753"/>
           </a:xfrm>
           <a:prstGeom prst="rect">
             <a:avLst/>
@@ -2987,7 +2635,7 @@
           <a:bodyPr vert="horz" lIns="91440" tIns="45720" rIns="91440" bIns="45720" rtlCol="0" anchor="ctr"/>
           <a:lstStyle>
             <a:lvl1pPr algn="r">
-              <a:defRPr sz="1200">
+              <a:defRPr sz="762">
                 <a:solidFill>
                   <a:schemeClr val="tx1">
                     <a:tint val="75000"/>
@@ -3008,27 +2656,27 @@
     </p:spTree>
     <p:extLst>
       <p:ext uri="{BB962C8B-B14F-4D97-AF65-F5344CB8AC3E}">
-        <p14:creationId xmlns:p14="http://schemas.microsoft.com/office/powerpoint/2010/main" val="3214140504"/>
+        <p14:creationId xmlns:p14="http://schemas.microsoft.com/office/powerpoint/2010/main" val="67703823"/>
       </p:ext>
     </p:extLst>
   </p:cSld>
   <p:clrMap bg1="lt1" tx1="dk1" bg2="lt2" tx2="dk2" accent1="accent1" accent2="accent2" accent3="accent3" accent4="accent4" accent5="accent5" accent6="accent6" hlink="hlink" folHlink="folHlink"/>
   <p:sldLayoutIdLst>
-    <p:sldLayoutId id="2147483649" r:id="rId1"/>
-    <p:sldLayoutId id="2147483650" r:id="rId2"/>
-    <p:sldLayoutId id="2147483651" r:id="rId3"/>
-    <p:sldLayoutId id="2147483652" r:id="rId4"/>
-    <p:sldLayoutId id="2147483653" r:id="rId5"/>
-    <p:sldLayoutId id="2147483654" r:id="rId6"/>
-    <p:sldLayoutId id="2147483655" r:id="rId7"/>
-    <p:sldLayoutId id="2147483656" r:id="rId8"/>
-    <p:sldLayoutId id="2147483657" r:id="rId9"/>
-    <p:sldLayoutId id="2147483658" r:id="rId10"/>
-    <p:sldLayoutId id="2147483659" r:id="rId11"/>
+    <p:sldLayoutId id="2147483661" r:id="rId1"/>
+    <p:sldLayoutId id="2147483662" r:id="rId2"/>
+    <p:sldLayoutId id="2147483663" r:id="rId3"/>
+    <p:sldLayoutId id="2147483664" r:id="rId4"/>
+    <p:sldLayoutId id="2147483665" r:id="rId5"/>
+    <p:sldLayoutId id="2147483666" r:id="rId6"/>
+    <p:sldLayoutId id="2147483667" r:id="rId7"/>
+    <p:sldLayoutId id="2147483668" r:id="rId8"/>
+    <p:sldLayoutId id="2147483669" r:id="rId9"/>
+    <p:sldLayoutId id="2147483670" r:id="rId10"/>
+    <p:sldLayoutId id="2147483671" r:id="rId11"/>
   </p:sldLayoutIdLst>
   <p:txStyles>
     <p:titleStyle>
-      <a:lvl1pPr algn="l" defTabSz="914400" rtl="0" eaLnBrk="1" latinLnBrk="0" hangingPunct="1">
+      <a:lvl1pPr algn="l" defTabSz="580370" rtl="0" eaLnBrk="1" latinLnBrk="0" hangingPunct="1">
         <a:lnSpc>
           <a:spcPct val="90000"/>
         </a:lnSpc>
@@ -3036,7 +2684,7 @@
           <a:spcPct val="0"/>
         </a:spcBef>
         <a:buNone/>
-        <a:defRPr sz="4400" kern="1200">
+        <a:defRPr sz="2793" kern="1200">
           <a:solidFill>
             <a:schemeClr val="tx1"/>
           </a:solidFill>
@@ -3047,16 +2695,16 @@
       </a:lvl1pPr>
     </p:titleStyle>
     <p:bodyStyle>
-      <a:lvl1pPr marL="228600" indent="-228600" algn="l" defTabSz="914400" rtl="0" eaLnBrk="1" latinLnBrk="0" hangingPunct="1">
+      <a:lvl1pPr marL="145092" indent="-145092" algn="l" defTabSz="580370" rtl="0" eaLnBrk="1" latinLnBrk="0" hangingPunct="1">
         <a:lnSpc>
           <a:spcPct val="90000"/>
         </a:lnSpc>
         <a:spcBef>
-          <a:spcPts val="1000"/>
+          <a:spcPts val="635"/>
         </a:spcBef>
         <a:buFont typeface="Arial" panose="020B0604020202020204" pitchFamily="34" charset="0"/>
         <a:buChar char="•"/>
-        <a:defRPr sz="2800" kern="1200">
+        <a:defRPr sz="1777" kern="1200">
           <a:solidFill>
             <a:schemeClr val="tx1"/>
           </a:solidFill>
@@ -3065,16 +2713,16 @@
           <a:cs typeface="+mn-cs"/>
         </a:defRPr>
       </a:lvl1pPr>
-      <a:lvl2pPr marL="685800" indent="-228600" algn="l" defTabSz="914400" rtl="0" eaLnBrk="1" latinLnBrk="0" hangingPunct="1">
+      <a:lvl2pPr marL="435277" indent="-145092" algn="l" defTabSz="580370" rtl="0" eaLnBrk="1" latinLnBrk="0" hangingPunct="1">
         <a:lnSpc>
           <a:spcPct val="90000"/>
         </a:lnSpc>
         <a:spcBef>
-          <a:spcPts val="500"/>
+          <a:spcPts val="317"/>
         </a:spcBef>
         <a:buFont typeface="Arial" panose="020B0604020202020204" pitchFamily="34" charset="0"/>
         <a:buChar char="•"/>
-        <a:defRPr sz="2400" kern="1200">
+        <a:defRPr sz="1523" kern="1200">
           <a:solidFill>
             <a:schemeClr val="tx1"/>
           </a:solidFill>
@@ -3083,16 +2731,16 @@
           <a:cs typeface="+mn-cs"/>
         </a:defRPr>
       </a:lvl2pPr>
-      <a:lvl3pPr marL="1143000" indent="-228600" algn="l" defTabSz="914400" rtl="0" eaLnBrk="1" latinLnBrk="0" hangingPunct="1">
+      <a:lvl3pPr marL="725462" indent="-145092" algn="l" defTabSz="580370" rtl="0" eaLnBrk="1" latinLnBrk="0" hangingPunct="1">
         <a:lnSpc>
           <a:spcPct val="90000"/>
         </a:lnSpc>
         <a:spcBef>
-          <a:spcPts val="500"/>
+          <a:spcPts val="317"/>
         </a:spcBef>
         <a:buFont typeface="Arial" panose="020B0604020202020204" pitchFamily="34" charset="0"/>
         <a:buChar char="•"/>
-        <a:defRPr sz="2000" kern="1200">
+        <a:defRPr sz="1269" kern="1200">
           <a:solidFill>
             <a:schemeClr val="tx1"/>
           </a:solidFill>
@@ -3101,16 +2749,16 @@
           <a:cs typeface="+mn-cs"/>
         </a:defRPr>
       </a:lvl3pPr>
-      <a:lvl4pPr marL="1600200" indent="-228600" algn="l" defTabSz="914400" rtl="0" eaLnBrk="1" latinLnBrk="0" hangingPunct="1">
+      <a:lvl4pPr marL="1015647" indent="-145092" algn="l" defTabSz="580370" rtl="0" eaLnBrk="1" latinLnBrk="0" hangingPunct="1">
         <a:lnSpc>
           <a:spcPct val="90000"/>
         </a:lnSpc>
         <a:spcBef>
-          <a:spcPts val="500"/>
+          <a:spcPts val="317"/>
         </a:spcBef>
         <a:buFont typeface="Arial" panose="020B0604020202020204" pitchFamily="34" charset="0"/>
         <a:buChar char="•"/>
-        <a:defRPr sz="1800" kern="1200">
+        <a:defRPr sz="1142" kern="1200">
           <a:solidFill>
             <a:schemeClr val="tx1"/>
           </a:solidFill>
@@ -3119,16 +2767,16 @@
           <a:cs typeface="+mn-cs"/>
         </a:defRPr>
       </a:lvl4pPr>
-      <a:lvl5pPr marL="2057400" indent="-228600" algn="l" defTabSz="914400" rtl="0" eaLnBrk="1" latinLnBrk="0" hangingPunct="1">
+      <a:lvl5pPr marL="1305832" indent="-145092" algn="l" defTabSz="580370" rtl="0" eaLnBrk="1" latinLnBrk="0" hangingPunct="1">
         <a:lnSpc>
           <a:spcPct val="90000"/>
         </a:lnSpc>
         <a:spcBef>
-          <a:spcPts val="500"/>
+          <a:spcPts val="317"/>
         </a:spcBef>
         <a:buFont typeface="Arial" panose="020B0604020202020204" pitchFamily="34" charset="0"/>
         <a:buChar char="•"/>
-        <a:defRPr sz="1800" kern="1200">
+        <a:defRPr sz="1142" kern="1200">
           <a:solidFill>
             <a:schemeClr val="tx1"/>
           </a:solidFill>
@@ -3137,16 +2785,16 @@
           <a:cs typeface="+mn-cs"/>
         </a:defRPr>
       </a:lvl5pPr>
-      <a:lvl6pPr marL="2514600" indent="-228600" algn="l" defTabSz="914400" rtl="0" eaLnBrk="1" latinLnBrk="0" hangingPunct="1">
+      <a:lvl6pPr marL="1596017" indent="-145092" algn="l" defTabSz="580370" rtl="0" eaLnBrk="1" latinLnBrk="0" hangingPunct="1">
         <a:lnSpc>
           <a:spcPct val="90000"/>
         </a:lnSpc>
         <a:spcBef>
-          <a:spcPts val="500"/>
+          <a:spcPts val="317"/>
         </a:spcBef>
         <a:buFont typeface="Arial" panose="020B0604020202020204" pitchFamily="34" charset="0"/>
         <a:buChar char="•"/>
-        <a:defRPr sz="1800" kern="1200">
+        <a:defRPr sz="1142" kern="1200">
           <a:solidFill>
             <a:schemeClr val="tx1"/>
           </a:solidFill>
@@ -3155,16 +2803,16 @@
           <a:cs typeface="+mn-cs"/>
         </a:defRPr>
       </a:lvl6pPr>
-      <a:lvl7pPr marL="2971800" indent="-228600" algn="l" defTabSz="914400" rtl="0" eaLnBrk="1" latinLnBrk="0" hangingPunct="1">
+      <a:lvl7pPr marL="1886201" indent="-145092" algn="l" defTabSz="580370" rtl="0" eaLnBrk="1" latinLnBrk="0" hangingPunct="1">
         <a:lnSpc>
           <a:spcPct val="90000"/>
         </a:lnSpc>
         <a:spcBef>
-          <a:spcPts val="500"/>
+          <a:spcPts val="317"/>
         </a:spcBef>
         <a:buFont typeface="Arial" panose="020B0604020202020204" pitchFamily="34" charset="0"/>
         <a:buChar char="•"/>
-        <a:defRPr sz="1800" kern="1200">
+        <a:defRPr sz="1142" kern="1200">
           <a:solidFill>
             <a:schemeClr val="tx1"/>
           </a:solidFill>
@@ -3173,16 +2821,16 @@
           <a:cs typeface="+mn-cs"/>
         </a:defRPr>
       </a:lvl7pPr>
-      <a:lvl8pPr marL="3429000" indent="-228600" algn="l" defTabSz="914400" rtl="0" eaLnBrk="1" latinLnBrk="0" hangingPunct="1">
+      <a:lvl8pPr marL="2176386" indent="-145092" algn="l" defTabSz="580370" rtl="0" eaLnBrk="1" latinLnBrk="0" hangingPunct="1">
         <a:lnSpc>
           <a:spcPct val="90000"/>
         </a:lnSpc>
         <a:spcBef>
-          <a:spcPts val="500"/>
+          <a:spcPts val="317"/>
         </a:spcBef>
         <a:buFont typeface="Arial" panose="020B0604020202020204" pitchFamily="34" charset="0"/>
         <a:buChar char="•"/>
-        <a:defRPr sz="1800" kern="1200">
+        <a:defRPr sz="1142" kern="1200">
           <a:solidFill>
             <a:schemeClr val="tx1"/>
           </a:solidFill>
@@ -3191,16 +2839,16 @@
           <a:cs typeface="+mn-cs"/>
         </a:defRPr>
       </a:lvl8pPr>
-      <a:lvl9pPr marL="3886200" indent="-228600" algn="l" defTabSz="914400" rtl="0" eaLnBrk="1" latinLnBrk="0" hangingPunct="1">
+      <a:lvl9pPr marL="2466571" indent="-145092" algn="l" defTabSz="580370" rtl="0" eaLnBrk="1" latinLnBrk="0" hangingPunct="1">
         <a:lnSpc>
           <a:spcPct val="90000"/>
         </a:lnSpc>
         <a:spcBef>
-          <a:spcPts val="500"/>
+          <a:spcPts val="317"/>
         </a:spcBef>
         <a:buFont typeface="Arial" panose="020B0604020202020204" pitchFamily="34" charset="0"/>
         <a:buChar char="•"/>
-        <a:defRPr sz="1800" kern="1200">
+        <a:defRPr sz="1142" kern="1200">
           <a:solidFill>
             <a:schemeClr val="tx1"/>
           </a:solidFill>
@@ -3212,10 +2860,10 @@
     </p:bodyStyle>
     <p:otherStyle>
       <a:defPPr>
-        <a:defRPr lang="zh-CN"/>
+        <a:defRPr lang="en-US"/>
       </a:defPPr>
-      <a:lvl1pPr marL="0" algn="l" defTabSz="914400" rtl="0" eaLnBrk="1" latinLnBrk="0" hangingPunct="1">
-        <a:defRPr sz="1800" kern="1200">
+      <a:lvl1pPr marL="0" algn="l" defTabSz="580370" rtl="0" eaLnBrk="1" latinLnBrk="0" hangingPunct="1">
+        <a:defRPr sz="1142" kern="1200">
           <a:solidFill>
             <a:schemeClr val="tx1"/>
           </a:solidFill>
@@ -3224,8 +2872,8 @@
           <a:cs typeface="+mn-cs"/>
         </a:defRPr>
       </a:lvl1pPr>
-      <a:lvl2pPr marL="457200" algn="l" defTabSz="914400" rtl="0" eaLnBrk="1" latinLnBrk="0" hangingPunct="1">
-        <a:defRPr sz="1800" kern="1200">
+      <a:lvl2pPr marL="290185" algn="l" defTabSz="580370" rtl="0" eaLnBrk="1" latinLnBrk="0" hangingPunct="1">
+        <a:defRPr sz="1142" kern="1200">
           <a:solidFill>
             <a:schemeClr val="tx1"/>
           </a:solidFill>
@@ -3234,8 +2882,8 @@
           <a:cs typeface="+mn-cs"/>
         </a:defRPr>
       </a:lvl2pPr>
-      <a:lvl3pPr marL="914400" algn="l" defTabSz="914400" rtl="0" eaLnBrk="1" latinLnBrk="0" hangingPunct="1">
-        <a:defRPr sz="1800" kern="1200">
+      <a:lvl3pPr marL="580370" algn="l" defTabSz="580370" rtl="0" eaLnBrk="1" latinLnBrk="0" hangingPunct="1">
+        <a:defRPr sz="1142" kern="1200">
           <a:solidFill>
             <a:schemeClr val="tx1"/>
           </a:solidFill>
@@ -3244,8 +2892,8 @@
           <a:cs typeface="+mn-cs"/>
         </a:defRPr>
       </a:lvl3pPr>
-      <a:lvl4pPr marL="1371600" algn="l" defTabSz="914400" rtl="0" eaLnBrk="1" latinLnBrk="0" hangingPunct="1">
-        <a:defRPr sz="1800" kern="1200">
+      <a:lvl4pPr marL="870555" algn="l" defTabSz="580370" rtl="0" eaLnBrk="1" latinLnBrk="0" hangingPunct="1">
+        <a:defRPr sz="1142" kern="1200">
           <a:solidFill>
             <a:schemeClr val="tx1"/>
           </a:solidFill>
@@ -3254,8 +2902,8 @@
           <a:cs typeface="+mn-cs"/>
         </a:defRPr>
       </a:lvl4pPr>
-      <a:lvl5pPr marL="1828800" algn="l" defTabSz="914400" rtl="0" eaLnBrk="1" latinLnBrk="0" hangingPunct="1">
-        <a:defRPr sz="1800" kern="1200">
+      <a:lvl5pPr marL="1160739" algn="l" defTabSz="580370" rtl="0" eaLnBrk="1" latinLnBrk="0" hangingPunct="1">
+        <a:defRPr sz="1142" kern="1200">
           <a:solidFill>
             <a:schemeClr val="tx1"/>
           </a:solidFill>
@@ -3264,8 +2912,8 @@
           <a:cs typeface="+mn-cs"/>
         </a:defRPr>
       </a:lvl5pPr>
-      <a:lvl6pPr marL="2286000" algn="l" defTabSz="914400" rtl="0" eaLnBrk="1" latinLnBrk="0" hangingPunct="1">
-        <a:defRPr sz="1800" kern="1200">
+      <a:lvl6pPr marL="1450924" algn="l" defTabSz="580370" rtl="0" eaLnBrk="1" latinLnBrk="0" hangingPunct="1">
+        <a:defRPr sz="1142" kern="1200">
           <a:solidFill>
             <a:schemeClr val="tx1"/>
           </a:solidFill>
@@ -3274,8 +2922,8 @@
           <a:cs typeface="+mn-cs"/>
         </a:defRPr>
       </a:lvl6pPr>
-      <a:lvl7pPr marL="2743200" algn="l" defTabSz="914400" rtl="0" eaLnBrk="1" latinLnBrk="0" hangingPunct="1">
-        <a:defRPr sz="1800" kern="1200">
+      <a:lvl7pPr marL="1741109" algn="l" defTabSz="580370" rtl="0" eaLnBrk="1" latinLnBrk="0" hangingPunct="1">
+        <a:defRPr sz="1142" kern="1200">
           <a:solidFill>
             <a:schemeClr val="tx1"/>
           </a:solidFill>
@@ -3284,8 +2932,8 @@
           <a:cs typeface="+mn-cs"/>
         </a:defRPr>
       </a:lvl7pPr>
-      <a:lvl8pPr marL="3200400" algn="l" defTabSz="914400" rtl="0" eaLnBrk="1" latinLnBrk="0" hangingPunct="1">
-        <a:defRPr sz="1800" kern="1200">
+      <a:lvl8pPr marL="2031294" algn="l" defTabSz="580370" rtl="0" eaLnBrk="1" latinLnBrk="0" hangingPunct="1">
+        <a:defRPr sz="1142" kern="1200">
           <a:solidFill>
             <a:schemeClr val="tx1"/>
           </a:solidFill>
@@ -3294,8 +2942,8 @@
           <a:cs typeface="+mn-cs"/>
         </a:defRPr>
       </a:lvl8pPr>
-      <a:lvl9pPr marL="3657600" algn="l" defTabSz="914400" rtl="0" eaLnBrk="1" latinLnBrk="0" hangingPunct="1">
-        <a:defRPr sz="1800" kern="1200">
+      <a:lvl9pPr marL="2321479" algn="l" defTabSz="580370" rtl="0" eaLnBrk="1" latinLnBrk="0" hangingPunct="1">
+        <a:defRPr sz="1142" kern="1200">
           <a:solidFill>
             <a:schemeClr val="tx1"/>
           </a:solidFill>
@@ -3340,7 +2988,7 @@
         </p:nvSpPr>
         <p:spPr>
           <a:xfrm>
-            <a:off x="4958178" y="2391512"/>
+            <a:off x="2761081" y="1138974"/>
             <a:ext cx="2275643" cy="2263806"/>
           </a:xfrm>
           <a:prstGeom prst="triangle">
@@ -3374,7 +3022,7 @@
           <a:lstStyle/>
           <a:p>
             <a:pPr algn="ctr"/>
-            <a:endParaRPr lang="zh-CN" altLang="en-US">
+            <a:endParaRPr lang="zh-CN" altLang="en-US" sz="1149">
               <a:solidFill>
                 <a:srgbClr val="FFC000"/>
               </a:solidFill>
@@ -3396,7 +3044,7 @@
         </p:nvSpPr>
         <p:spPr>
           <a:xfrm>
-            <a:off x="5646048" y="3712312"/>
+            <a:off x="3448951" y="2459774"/>
             <a:ext cx="899901" cy="943006"/>
           </a:xfrm>
           <a:prstGeom prst="triangle">
@@ -3430,7 +3078,7 @@
           <a:lstStyle/>
           <a:p>
             <a:pPr algn="ctr"/>
-            <a:endParaRPr lang="zh-CN" altLang="en-US">
+            <a:endParaRPr lang="zh-CN" altLang="en-US" sz="1149">
               <a:solidFill>
                 <a:srgbClr val="FF0000"/>
               </a:solidFill>
@@ -3451,10 +3099,76 @@
 </p:sld>
 </file>
 
+<file path=ppt/slides/slide2.xml><?xml version="1.0" encoding="utf-8"?>
+<p:sld xmlns:a="http://schemas.openxmlformats.org/drawingml/2006/main" xmlns:r="http://schemas.openxmlformats.org/officeDocument/2006/relationships" xmlns:p="http://schemas.openxmlformats.org/presentationml/2006/main">
+  <p:cSld>
+    <p:spTree>
+      <p:nvGrpSpPr>
+        <p:cNvPr id="1" name=""/>
+        <p:cNvGrpSpPr/>
+        <p:nvPr/>
+      </p:nvGrpSpPr>
+      <p:grpSpPr>
+        <a:xfrm>
+          <a:off x="0" y="0"/>
+          <a:ext cx="0" cy="0"/>
+          <a:chOff x="0" y="0"/>
+          <a:chExt cx="0" cy="0"/>
+        </a:xfrm>
+      </p:grpSpPr>
+      <p:pic>
+        <p:nvPicPr>
+          <p:cNvPr id="11" name="图片 10">
+            <a:extLst>
+              <a:ext uri="{FF2B5EF4-FFF2-40B4-BE49-F238E27FC236}">
+                <a16:creationId xmlns:a16="http://schemas.microsoft.com/office/drawing/2014/main" id="{DD34465A-2DA7-447B-AAC9-640D14E3DFBA}"/>
+              </a:ext>
+            </a:extLst>
+          </p:cNvPr>
+          <p:cNvPicPr>
+            <a:picLocks noChangeAspect="1"/>
+          </p:cNvPicPr>
+          <p:nvPr/>
+        </p:nvPicPr>
+        <p:blipFill>
+          <a:blip r:embed="rId2">
+            <a:extLst>
+              <a:ext uri="{28A0092B-C50C-407E-A947-70E740481C1C}">
+                <a14:useLocalDpi xmlns:a14="http://schemas.microsoft.com/office/drawing/2010/main" val="0"/>
+              </a:ext>
+            </a:extLst>
+          </a:blip>
+          <a:stretch>
+            <a:fillRect/>
+          </a:stretch>
+        </p:blipFill>
+        <p:spPr>
+          <a:xfrm>
+            <a:off x="0" y="532"/>
+            <a:ext cx="7797800" cy="4351860"/>
+          </a:xfrm>
+          <a:prstGeom prst="rect">
+            <a:avLst/>
+          </a:prstGeom>
+        </p:spPr>
+      </p:pic>
+    </p:spTree>
+    <p:extLst>
+      <p:ext uri="{BB962C8B-B14F-4D97-AF65-F5344CB8AC3E}">
+        <p14:creationId xmlns:p14="http://schemas.microsoft.com/office/powerpoint/2010/main" val="2039466667"/>
+      </p:ext>
+    </p:extLst>
+  </p:cSld>
+  <p:clrMapOvr>
+    <a:masterClrMapping/>
+  </p:clrMapOvr>
+</p:sld>
+</file>
+
 <file path=ppt/theme/theme1.xml><?xml version="1.0" encoding="utf-8"?>
 <a:theme xmlns:a="http://schemas.openxmlformats.org/drawingml/2006/main" name="Office 主题​​">
   <a:themeElements>
-    <a:clrScheme name="Office">
+    <a:clrScheme name="Office 主题​​">
       <a:dk1>
         <a:sysClr val="windowText" lastClr="000000"/>
       </a:dk1>
@@ -3492,9 +3206,9 @@
         <a:srgbClr val="954F72"/>
       </a:folHlink>
     </a:clrScheme>
-    <a:fontScheme name="Office">
+    <a:fontScheme name="Office 主题​​">
       <a:majorFont>
-        <a:latin typeface="等线 Light" panose="020F0302020204030204"/>
+        <a:latin typeface="Calibri Light" panose="020F0302020204030204"/>
         <a:ea typeface=""/>
         <a:cs typeface=""/>
         <a:font script="Jpan" typeface="游ゴシック Light"/>
@@ -3527,26 +3241,9 @@
         <a:font script="Viet" typeface="Times New Roman"/>
         <a:font script="Uigh" typeface="Microsoft Uighur"/>
         <a:font script="Geor" typeface="Sylfaen"/>
-        <a:font script="Armn" typeface="Arial"/>
-        <a:font script="Bugi" typeface="Leelawadee UI"/>
-        <a:font script="Bopo" typeface="Microsoft JhengHei"/>
-        <a:font script="Java" typeface="Javanese Text"/>
-        <a:font script="Lisu" typeface="Segoe UI"/>
-        <a:font script="Mymr" typeface="Myanmar Text"/>
-        <a:font script="Nkoo" typeface="Ebrima"/>
-        <a:font script="Olck" typeface="Nirmala UI"/>
-        <a:font script="Osma" typeface="Ebrima"/>
-        <a:font script="Phag" typeface="Phagspa"/>
-        <a:font script="Syrn" typeface="Estrangelo Edessa"/>
-        <a:font script="Syrj" typeface="Estrangelo Edessa"/>
-        <a:font script="Syre" typeface="Estrangelo Edessa"/>
-        <a:font script="Sora" typeface="Nirmala UI"/>
-        <a:font script="Tale" typeface="Microsoft Tai Le"/>
-        <a:font script="Talu" typeface="Microsoft New Tai Lue"/>
-        <a:font script="Tfng" typeface="Ebrima"/>
       </a:majorFont>
       <a:minorFont>
-        <a:latin typeface="等线" panose="020F0502020204030204"/>
+        <a:latin typeface="Calibri" panose="020F0502020204030204"/>
         <a:ea typeface=""/>
         <a:cs typeface=""/>
         <a:font script="Jpan" typeface="游ゴシック"/>
@@ -3579,26 +3276,9 @@
         <a:font script="Viet" typeface="Arial"/>
         <a:font script="Uigh" typeface="Microsoft Uighur"/>
         <a:font script="Geor" typeface="Sylfaen"/>
-        <a:font script="Armn" typeface="Arial"/>
-        <a:font script="Bugi" typeface="Leelawadee UI"/>
-        <a:font script="Bopo" typeface="Microsoft JhengHei"/>
-        <a:font script="Java" typeface="Javanese Text"/>
-        <a:font script="Lisu" typeface="Segoe UI"/>
-        <a:font script="Mymr" typeface="Myanmar Text"/>
-        <a:font script="Nkoo" typeface="Ebrima"/>
-        <a:font script="Olck" typeface="Nirmala UI"/>
-        <a:font script="Osma" typeface="Ebrima"/>
-        <a:font script="Phag" typeface="Phagspa"/>
-        <a:font script="Syrn" typeface="Estrangelo Edessa"/>
-        <a:font script="Syrj" typeface="Estrangelo Edessa"/>
-        <a:font script="Syre" typeface="Estrangelo Edessa"/>
-        <a:font script="Sora" typeface="Nirmala UI"/>
-        <a:font script="Tale" typeface="Microsoft Tai Le"/>
-        <a:font script="Talu" typeface="Microsoft New Tai Lue"/>
-        <a:font script="Tfng" typeface="Ebrima"/>
       </a:minorFont>
     </a:fontScheme>
-    <a:fmtScheme name="Office">
+    <a:fmtScheme name="Office 主题​​">
       <a:fillStyleLst>
         <a:solidFill>
           <a:schemeClr val="phClr"/>
